--- a/2025_М_ПІ_ІПЗ-23-4_Шульдінер_М_П.pptx
+++ b/2025_М_ПІ_ІПЗ-23-4_Шульдінер_М_П.pptx
@@ -5,7 +5,7 @@
     <p:sldMasterId id="2147483659" r:id="rId1"/>
   </p:sldMasterIdLst>
   <p:notesMasterIdLst>
-    <p:notesMasterId r:id="rId15"/>
+    <p:notesMasterId r:id="rId16"/>
   </p:notesMasterIdLst>
   <p:sldIdLst>
     <p:sldId id="256" r:id="rId2"/>
@@ -15,36 +15,37 @@
     <p:sldId id="259" r:id="rId6"/>
     <p:sldId id="260" r:id="rId7"/>
     <p:sldId id="261" r:id="rId8"/>
-    <p:sldId id="262" r:id="rId9"/>
-    <p:sldId id="264" r:id="rId10"/>
-    <p:sldId id="270" r:id="rId11"/>
-    <p:sldId id="268" r:id="rId12"/>
-    <p:sldId id="269" r:id="rId13"/>
-    <p:sldId id="267" r:id="rId14"/>
+    <p:sldId id="272" r:id="rId9"/>
+    <p:sldId id="262" r:id="rId10"/>
+    <p:sldId id="264" r:id="rId11"/>
+    <p:sldId id="270" r:id="rId12"/>
+    <p:sldId id="268" r:id="rId13"/>
+    <p:sldId id="269" r:id="rId14"/>
+    <p:sldId id="267" r:id="rId15"/>
   </p:sldIdLst>
   <p:sldSz cx="9144000" cy="5143500" type="screen16x9"/>
   <p:notesSz cx="6858000" cy="9144000"/>
   <p:embeddedFontLst>
     <p:embeddedFont>
       <p:font typeface="Consolas" panose="020B0609020204030204" pitchFamily="49" charset="0"/>
-      <p:regular r:id="rId16"/>
-      <p:bold r:id="rId17"/>
-      <p:italic r:id="rId18"/>
-      <p:boldItalic r:id="rId19"/>
+      <p:regular r:id="rId17"/>
+      <p:bold r:id="rId18"/>
+      <p:italic r:id="rId19"/>
+      <p:boldItalic r:id="rId20"/>
     </p:embeddedFont>
     <p:embeddedFont>
       <p:font typeface="Economica" panose="020B0604020202020204" charset="0"/>
-      <p:regular r:id="rId20"/>
-      <p:bold r:id="rId21"/>
-      <p:italic r:id="rId22"/>
-      <p:boldItalic r:id="rId23"/>
+      <p:regular r:id="rId21"/>
+      <p:bold r:id="rId22"/>
+      <p:italic r:id="rId23"/>
+      <p:boldItalic r:id="rId24"/>
     </p:embeddedFont>
     <p:embeddedFont>
       <p:font typeface="Open Sans" panose="020B0606030504020204" pitchFamily="34" charset="0"/>
-      <p:regular r:id="rId24"/>
-      <p:bold r:id="rId25"/>
-      <p:italic r:id="rId26"/>
-      <p:boldItalic r:id="rId27"/>
+      <p:regular r:id="rId25"/>
+      <p:bold r:id="rId26"/>
+      <p:italic r:id="rId27"/>
+      <p:boldItalic r:id="rId28"/>
     </p:embeddedFont>
   </p:embeddedFontLst>
   <p:defaultTextStyle>
@@ -942,6 +943,110 @@
         </p:txBody>
       </p:sp>
     </p:spTree>
+  </p:cSld>
+  <p:clrMapOvr>
+    <a:masterClrMapping/>
+  </p:clrMapOvr>
+</p:notes>
+</file>
+
+<file path=ppt/notesSlides/notesSlide11.xml><?xml version="1.0" encoding="utf-8"?>
+<p:notes xmlns:a="http://schemas.openxmlformats.org/drawingml/2006/main" xmlns:r="http://schemas.openxmlformats.org/officeDocument/2006/relationships" xmlns:p="http://schemas.openxmlformats.org/presentationml/2006/main" showMasterSp="0" showMasterPhAnim="0">
+  <p:cSld>
+    <p:spTree>
+      <p:nvGrpSpPr>
+        <p:cNvPr id="1" name="Shape 116"/>
+        <p:cNvGrpSpPr/>
+        <p:nvPr/>
+      </p:nvGrpSpPr>
+      <p:grpSpPr>
+        <a:xfrm>
+          <a:off x="0" y="0"/>
+          <a:ext cx="0" cy="0"/>
+          <a:chOff x="0" y="0"/>
+          <a:chExt cx="0" cy="0"/>
+        </a:xfrm>
+      </p:grpSpPr>
+      <p:sp>
+        <p:nvSpPr>
+          <p:cNvPr id="117" name="Google Shape;117;g2e16b2adad1_0_35:notes"/>
+          <p:cNvSpPr>
+            <a:spLocks noGrp="1" noRot="1" noChangeAspect="1"/>
+          </p:cNvSpPr>
+          <p:nvPr>
+            <p:ph type="sldImg" idx="2"/>
+          </p:nvPr>
+        </p:nvSpPr>
+        <p:spPr>
+          <a:xfrm>
+            <a:off x="381000" y="685800"/>
+            <a:ext cx="6096000" cy="3429000"/>
+          </a:xfrm>
+          <a:custGeom>
+            <a:avLst/>
+            <a:gdLst/>
+            <a:ahLst/>
+            <a:cxnLst/>
+            <a:rect l="l" t="t" r="r" b="b"/>
+            <a:pathLst>
+              <a:path w="120000" h="120000" extrusionOk="0">
+                <a:moveTo>
+                  <a:pt x="0" y="0"/>
+                </a:moveTo>
+                <a:lnTo>
+                  <a:pt x="120000" y="0"/>
+                </a:lnTo>
+                <a:lnTo>
+                  <a:pt x="120000" y="120000"/>
+                </a:lnTo>
+                <a:lnTo>
+                  <a:pt x="0" y="120000"/>
+                </a:lnTo>
+                <a:close/>
+              </a:path>
+            </a:pathLst>
+          </a:custGeom>
+        </p:spPr>
+      </p:sp>
+      <p:sp>
+        <p:nvSpPr>
+          <p:cNvPr id="118" name="Google Shape;118;g2e16b2adad1_0_35:notes"/>
+          <p:cNvSpPr txBox="1">
+            <a:spLocks noGrp="1"/>
+          </p:cNvSpPr>
+          <p:nvPr>
+            <p:ph type="body" idx="1"/>
+          </p:nvPr>
+        </p:nvSpPr>
+        <p:spPr>
+          <a:xfrm>
+            <a:off x="685800" y="4343400"/>
+            <a:ext cx="5486400" cy="4114800"/>
+          </a:xfrm>
+          <a:prstGeom prst="rect">
+            <a:avLst/>
+          </a:prstGeom>
+        </p:spPr>
+        <p:txBody>
+          <a:bodyPr spcFirstLastPara="1" wrap="square" lIns="91425" tIns="91425" rIns="91425" bIns="91425" anchor="t" anchorCtr="0">
+            <a:noAutofit/>
+          </a:bodyPr>
+          <a:lstStyle/>
+          <a:p>
+            <a:pPr marL="0" lvl="0" indent="0" algn="l" rtl="0">
+              <a:spcBef>
+                <a:spcPts val="0"/>
+              </a:spcBef>
+              <a:spcAft>
+                <a:spcPts val="0"/>
+              </a:spcAft>
+              <a:buNone/>
+            </a:pPr>
+            <a:endParaRPr/>
+          </a:p>
+        </p:txBody>
+      </p:sp>
+    </p:spTree>
     <p:extLst>
       <p:ext uri="{BB962C8B-B14F-4D97-AF65-F5344CB8AC3E}">
         <p14:creationId xmlns:p14="http://schemas.microsoft.com/office/powerpoint/2010/main" val="2242551332"/>
@@ -954,7 +1059,7 @@
 </p:notes>
 </file>
 
-<file path=ppt/notesSlides/notesSlide11.xml><?xml version="1.0" encoding="utf-8"?>
+<file path=ppt/notesSlides/notesSlide12.xml><?xml version="1.0" encoding="utf-8"?>
 <p:notes xmlns:a="http://schemas.openxmlformats.org/drawingml/2006/main" xmlns:r="http://schemas.openxmlformats.org/officeDocument/2006/relationships" xmlns:p="http://schemas.openxmlformats.org/presentationml/2006/main" showMasterSp="0" showMasterPhAnim="0">
   <p:cSld>
     <p:spTree>
@@ -1058,7 +1163,7 @@
 </p:notes>
 </file>
 
-<file path=ppt/notesSlides/notesSlide12.xml><?xml version="1.0" encoding="utf-8"?>
+<file path=ppt/notesSlides/notesSlide13.xml><?xml version="1.0" encoding="utf-8"?>
 <p:notes xmlns:a="http://schemas.openxmlformats.org/drawingml/2006/main" xmlns:r="http://schemas.openxmlformats.org/officeDocument/2006/relationships" xmlns:p="http://schemas.openxmlformats.org/presentationml/2006/main" showMasterSp="0" showMasterPhAnim="0">
   <p:cSld>
     <p:spTree>
@@ -1162,7 +1267,7 @@
 </p:notes>
 </file>
 
-<file path=ppt/notesSlides/notesSlide13.xml><?xml version="1.0" encoding="utf-8"?>
+<file path=ppt/notesSlides/notesSlide14.xml><?xml version="1.0" encoding="utf-8"?>
 <p:notes xmlns:a="http://schemas.openxmlformats.org/drawingml/2006/main" xmlns:r="http://schemas.openxmlformats.org/officeDocument/2006/relationships" xmlns:p="http://schemas.openxmlformats.org/presentationml/2006/main" showMasterSp="0" showMasterPhAnim="0">
   <p:cSld>
     <p:spTree>
@@ -1918,6 +2023,133 @@
   <p:cSld>
     <p:spTree>
       <p:nvGrpSpPr>
+        <p:cNvPr id="1" name="Shape 95">
+          <a:extLst>
+            <a:ext uri="{FF2B5EF4-FFF2-40B4-BE49-F238E27FC236}">
+              <a16:creationId xmlns:a16="http://schemas.microsoft.com/office/drawing/2014/main" id="{A830F8CD-96F3-AB06-C7BA-E275078FD04D}"/>
+            </a:ext>
+          </a:extLst>
+        </p:cNvPr>
+        <p:cNvGrpSpPr/>
+        <p:nvPr/>
+      </p:nvGrpSpPr>
+      <p:grpSpPr>
+        <a:xfrm>
+          <a:off x="0" y="0"/>
+          <a:ext cx="0" cy="0"/>
+          <a:chOff x="0" y="0"/>
+          <a:chExt cx="0" cy="0"/>
+        </a:xfrm>
+      </p:grpSpPr>
+      <p:sp>
+        <p:nvSpPr>
+          <p:cNvPr id="96" name="Google Shape;96;g2e16b2adad1_0_18:notes">
+            <a:extLst>
+              <a:ext uri="{FF2B5EF4-FFF2-40B4-BE49-F238E27FC236}">
+                <a16:creationId xmlns:a16="http://schemas.microsoft.com/office/drawing/2014/main" id="{3C2C70F2-BC74-C235-FB8E-6F595F60A90B}"/>
+              </a:ext>
+            </a:extLst>
+          </p:cNvPr>
+          <p:cNvSpPr>
+            <a:spLocks noGrp="1" noRot="1" noChangeAspect="1"/>
+          </p:cNvSpPr>
+          <p:nvPr>
+            <p:ph type="sldImg" idx="2"/>
+          </p:nvPr>
+        </p:nvSpPr>
+        <p:spPr>
+          <a:xfrm>
+            <a:off x="381000" y="685800"/>
+            <a:ext cx="6096000" cy="3429000"/>
+          </a:xfrm>
+          <a:custGeom>
+            <a:avLst/>
+            <a:gdLst/>
+            <a:ahLst/>
+            <a:cxnLst/>
+            <a:rect l="l" t="t" r="r" b="b"/>
+            <a:pathLst>
+              <a:path w="120000" h="120000" extrusionOk="0">
+                <a:moveTo>
+                  <a:pt x="0" y="0"/>
+                </a:moveTo>
+                <a:lnTo>
+                  <a:pt x="120000" y="0"/>
+                </a:lnTo>
+                <a:lnTo>
+                  <a:pt x="120000" y="120000"/>
+                </a:lnTo>
+                <a:lnTo>
+                  <a:pt x="0" y="120000"/>
+                </a:lnTo>
+                <a:close/>
+              </a:path>
+            </a:pathLst>
+          </a:custGeom>
+        </p:spPr>
+      </p:sp>
+      <p:sp>
+        <p:nvSpPr>
+          <p:cNvPr id="97" name="Google Shape;97;g2e16b2adad1_0_18:notes">
+            <a:extLst>
+              <a:ext uri="{FF2B5EF4-FFF2-40B4-BE49-F238E27FC236}">
+                <a16:creationId xmlns:a16="http://schemas.microsoft.com/office/drawing/2014/main" id="{CB3C1034-1AD7-3A00-662D-54B4DDBEB6E7}"/>
+              </a:ext>
+            </a:extLst>
+          </p:cNvPr>
+          <p:cNvSpPr txBox="1">
+            <a:spLocks noGrp="1"/>
+          </p:cNvSpPr>
+          <p:nvPr>
+            <p:ph type="body" idx="1"/>
+          </p:nvPr>
+        </p:nvSpPr>
+        <p:spPr>
+          <a:xfrm>
+            <a:off x="685800" y="4343400"/>
+            <a:ext cx="5486400" cy="4114800"/>
+          </a:xfrm>
+          <a:prstGeom prst="rect">
+            <a:avLst/>
+          </a:prstGeom>
+        </p:spPr>
+        <p:txBody>
+          <a:bodyPr spcFirstLastPara="1" wrap="square" lIns="91425" tIns="91425" rIns="91425" bIns="91425" anchor="t" anchorCtr="0">
+            <a:noAutofit/>
+          </a:bodyPr>
+          <a:lstStyle/>
+          <a:p>
+            <a:pPr marL="0" lvl="0" indent="0" algn="l" rtl="0">
+              <a:spcBef>
+                <a:spcPts val="0"/>
+              </a:spcBef>
+              <a:spcAft>
+                <a:spcPts val="0"/>
+              </a:spcAft>
+              <a:buNone/>
+            </a:pPr>
+            <a:endParaRPr/>
+          </a:p>
+        </p:txBody>
+      </p:sp>
+    </p:spTree>
+    <p:extLst>
+      <p:ext uri="{BB962C8B-B14F-4D97-AF65-F5344CB8AC3E}">
+        <p14:creationId xmlns:p14="http://schemas.microsoft.com/office/powerpoint/2010/main" val="2371895457"/>
+      </p:ext>
+    </p:extLst>
+  </p:cSld>
+  <p:clrMapOvr>
+    <a:masterClrMapping/>
+  </p:clrMapOvr>
+</p:notes>
+</file>
+
+<file path=ppt/notesSlides/notesSlide9.xml><?xml version="1.0" encoding="utf-8"?>
+<p:notes xmlns:a="http://schemas.openxmlformats.org/drawingml/2006/main" xmlns:r="http://schemas.openxmlformats.org/officeDocument/2006/relationships" xmlns:p="http://schemas.openxmlformats.org/presentationml/2006/main" showMasterSp="0" showMasterPhAnim="0">
+  <p:cSld>
+    <p:spTree>
+      <p:nvGrpSpPr>
         <p:cNvPr id="1" name="Shape 102"/>
         <p:cNvGrpSpPr/>
         <p:nvPr/>
@@ -2006,110 +2238,6 @@
               <a:buNone/>
             </a:pPr>
             <a:endParaRPr dirty="0"/>
-          </a:p>
-        </p:txBody>
-      </p:sp>
-    </p:spTree>
-  </p:cSld>
-  <p:clrMapOvr>
-    <a:masterClrMapping/>
-  </p:clrMapOvr>
-</p:notes>
-</file>
-
-<file path=ppt/notesSlides/notesSlide9.xml><?xml version="1.0" encoding="utf-8"?>
-<p:notes xmlns:a="http://schemas.openxmlformats.org/drawingml/2006/main" xmlns:r="http://schemas.openxmlformats.org/officeDocument/2006/relationships" xmlns:p="http://schemas.openxmlformats.org/presentationml/2006/main" showMasterSp="0" showMasterPhAnim="0">
-  <p:cSld>
-    <p:spTree>
-      <p:nvGrpSpPr>
-        <p:cNvPr id="1" name="Shape 116"/>
-        <p:cNvGrpSpPr/>
-        <p:nvPr/>
-      </p:nvGrpSpPr>
-      <p:grpSpPr>
-        <a:xfrm>
-          <a:off x="0" y="0"/>
-          <a:ext cx="0" cy="0"/>
-          <a:chOff x="0" y="0"/>
-          <a:chExt cx="0" cy="0"/>
-        </a:xfrm>
-      </p:grpSpPr>
-      <p:sp>
-        <p:nvSpPr>
-          <p:cNvPr id="117" name="Google Shape;117;g2e16b2adad1_0_35:notes"/>
-          <p:cNvSpPr>
-            <a:spLocks noGrp="1" noRot="1" noChangeAspect="1"/>
-          </p:cNvSpPr>
-          <p:nvPr>
-            <p:ph type="sldImg" idx="2"/>
-          </p:nvPr>
-        </p:nvSpPr>
-        <p:spPr>
-          <a:xfrm>
-            <a:off x="381000" y="685800"/>
-            <a:ext cx="6096000" cy="3429000"/>
-          </a:xfrm>
-          <a:custGeom>
-            <a:avLst/>
-            <a:gdLst/>
-            <a:ahLst/>
-            <a:cxnLst/>
-            <a:rect l="l" t="t" r="r" b="b"/>
-            <a:pathLst>
-              <a:path w="120000" h="120000" extrusionOk="0">
-                <a:moveTo>
-                  <a:pt x="0" y="0"/>
-                </a:moveTo>
-                <a:lnTo>
-                  <a:pt x="120000" y="0"/>
-                </a:lnTo>
-                <a:lnTo>
-                  <a:pt x="120000" y="120000"/>
-                </a:lnTo>
-                <a:lnTo>
-                  <a:pt x="0" y="120000"/>
-                </a:lnTo>
-                <a:close/>
-              </a:path>
-            </a:pathLst>
-          </a:custGeom>
-        </p:spPr>
-      </p:sp>
-      <p:sp>
-        <p:nvSpPr>
-          <p:cNvPr id="118" name="Google Shape;118;g2e16b2adad1_0_35:notes"/>
-          <p:cNvSpPr txBox="1">
-            <a:spLocks noGrp="1"/>
-          </p:cNvSpPr>
-          <p:nvPr>
-            <p:ph type="body" idx="1"/>
-          </p:nvPr>
-        </p:nvSpPr>
-        <p:spPr>
-          <a:xfrm>
-            <a:off x="685800" y="4343400"/>
-            <a:ext cx="5486400" cy="4114800"/>
-          </a:xfrm>
-          <a:prstGeom prst="rect">
-            <a:avLst/>
-          </a:prstGeom>
-        </p:spPr>
-        <p:txBody>
-          <a:bodyPr spcFirstLastPara="1" wrap="square" lIns="91425" tIns="91425" rIns="91425" bIns="91425" anchor="t" anchorCtr="0">
-            <a:noAutofit/>
-          </a:bodyPr>
-          <a:lstStyle/>
-          <a:p>
-            <a:pPr marL="0" lvl="0" indent="0" algn="l" rtl="0">
-              <a:spcBef>
-                <a:spcPts val="0"/>
-              </a:spcBef>
-              <a:spcAft>
-                <a:spcPts val="0"/>
-              </a:spcAft>
-              <a:buNone/>
-            </a:pPr>
-            <a:endParaRPr/>
           </a:p>
         </p:txBody>
       </p:sp>
@@ -8261,6 +8389,256 @@
       </p:sp>
       <p:pic>
         <p:nvPicPr>
+          <p:cNvPr id="7" name="Рисунок 6"/>
+          <p:cNvPicPr/>
+          <p:nvPr/>
+        </p:nvPicPr>
+        <p:blipFill>
+          <a:blip r:embed="rId4"/>
+          <a:stretch>
+            <a:fillRect/>
+          </a:stretch>
+        </p:blipFill>
+        <p:spPr>
+          <a:xfrm>
+            <a:off x="358981" y="771784"/>
+            <a:ext cx="4822620" cy="2248507"/>
+          </a:xfrm>
+          <a:prstGeom prst="rect">
+            <a:avLst/>
+          </a:prstGeom>
+          <a:ln>
+            <a:solidFill>
+              <a:schemeClr val="tx1"/>
+            </a:solidFill>
+          </a:ln>
+        </p:spPr>
+      </p:pic>
+      <p:pic>
+        <p:nvPicPr>
+          <p:cNvPr id="8" name="Рисунок 7"/>
+          <p:cNvPicPr/>
+          <p:nvPr/>
+        </p:nvPicPr>
+        <p:blipFill rotWithShape="1">
+          <a:blip r:embed="rId5"/>
+          <a:srcRect l="34056" t="23890" r="33501" b="11567"/>
+          <a:stretch/>
+        </p:blipFill>
+        <p:spPr bwMode="auto">
+          <a:xfrm>
+            <a:off x="5363152" y="771784"/>
+            <a:ext cx="3365211" cy="3180196"/>
+          </a:xfrm>
+          <a:prstGeom prst="rect">
+            <a:avLst/>
+          </a:prstGeom>
+          <a:ln w="9525" cap="flat" cmpd="sng" algn="ctr">
+            <a:solidFill>
+              <a:sysClr val="windowText" lastClr="000000"/>
+            </a:solidFill>
+            <a:prstDash val="solid"/>
+            <a:round/>
+            <a:headEnd type="none" w="med" len="med"/>
+            <a:tailEnd type="none" w="med" len="med"/>
+          </a:ln>
+          <a:extLst>
+            <a:ext uri="{53640926-AAD7-44D8-BBD7-CCE9431645EC}">
+              <a14:shadowObscured xmlns:a14="http://schemas.microsoft.com/office/drawing/2010/main"/>
+            </a:ext>
+          </a:extLst>
+        </p:spPr>
+      </p:pic>
+      <p:sp>
+        <p:nvSpPr>
+          <p:cNvPr id="4" name="Прямоугольник 3"/>
+          <p:cNvSpPr/>
+          <p:nvPr/>
+        </p:nvSpPr>
+        <p:spPr>
+          <a:xfrm>
+            <a:off x="2243225" y="3382118"/>
+            <a:ext cx="4572000" cy="307777"/>
+          </a:xfrm>
+          <a:prstGeom prst="rect">
+            <a:avLst/>
+          </a:prstGeom>
+        </p:spPr>
+        <p:txBody>
+          <a:bodyPr>
+            <a:spAutoFit/>
+          </a:bodyPr>
+          <a:lstStyle/>
+          <a:p>
+            <a:pPr lvl="0" eaLnBrk="0" fontAlgn="base" hangingPunct="0">
+              <a:spcBef>
+                <a:spcPct val="0"/>
+              </a:spcBef>
+              <a:spcAft>
+                <a:spcPct val="0"/>
+              </a:spcAft>
+              <a:buClrTx/>
+            </a:pPr>
+            <a:r>
+              <a:rPr lang="ru-RU" altLang="en-US" dirty="0" err="1">
+                <a:solidFill>
+                  <a:schemeClr val="tx1"/>
+                </a:solidFill>
+                <a:latin typeface="Consolas" panose="020B0609020204030204" pitchFamily="49" charset="0"/>
+              </a:rPr>
+              <a:t>Авторизац</a:t>
+            </a:r>
+            <a:r>
+              <a:rPr lang="uk-UA" altLang="en-US" dirty="0" err="1">
+                <a:solidFill>
+                  <a:schemeClr val="tx1"/>
+                </a:solidFill>
+                <a:latin typeface="Consolas" panose="020B0609020204030204" pitchFamily="49" charset="0"/>
+              </a:rPr>
+              <a:t>ія</a:t>
+            </a:r>
+            <a:endParaRPr lang="en-US" altLang="en-US" dirty="0">
+              <a:solidFill>
+                <a:schemeClr val="tx1"/>
+              </a:solidFill>
+              <a:latin typeface="Consolas" panose="020B0609020204030204" pitchFamily="49" charset="0"/>
+            </a:endParaRPr>
+          </a:p>
+        </p:txBody>
+      </p:sp>
+    </p:spTree>
+  </p:cSld>
+  <p:clrMapOvr>
+    <a:masterClrMapping/>
+  </p:clrMapOvr>
+</p:sld>
+</file>
+
+<file path=ppt/slides/slide11.xml><?xml version="1.0" encoding="utf-8"?>
+<p:sld xmlns:a="http://schemas.openxmlformats.org/drawingml/2006/main" xmlns:r="http://schemas.openxmlformats.org/officeDocument/2006/relationships" xmlns:p="http://schemas.openxmlformats.org/presentationml/2006/main">
+  <p:cSld>
+    <p:spTree>
+      <p:nvGrpSpPr>
+        <p:cNvPr id="1" name="Shape 119"/>
+        <p:cNvGrpSpPr/>
+        <p:nvPr/>
+      </p:nvGrpSpPr>
+      <p:grpSpPr>
+        <a:xfrm>
+          <a:off x="0" y="0"/>
+          <a:ext cx="0" cy="0"/>
+          <a:chOff x="0" y="0"/>
+          <a:chExt cx="0" cy="0"/>
+        </a:xfrm>
+      </p:grpSpPr>
+      <p:sp>
+        <p:nvSpPr>
+          <p:cNvPr id="120" name="Google Shape;120;p21"/>
+          <p:cNvSpPr txBox="1">
+            <a:spLocks noGrp="1"/>
+          </p:cNvSpPr>
+          <p:nvPr>
+            <p:ph type="title"/>
+          </p:nvPr>
+        </p:nvSpPr>
+        <p:spPr>
+          <a:xfrm>
+            <a:off x="268925" y="-152998"/>
+            <a:ext cx="8520600" cy="831300"/>
+          </a:xfrm>
+          <a:prstGeom prst="rect">
+            <a:avLst/>
+          </a:prstGeom>
+        </p:spPr>
+        <p:txBody>
+          <a:bodyPr spcFirstLastPara="1" wrap="square" lIns="91425" tIns="91425" rIns="91425" bIns="91425" anchor="b" anchorCtr="0">
+            <a:normAutofit/>
+          </a:bodyPr>
+          <a:lstStyle/>
+          <a:p>
+            <a:pPr marL="0" lvl="0" indent="0" algn="l" rtl="0">
+              <a:spcBef>
+                <a:spcPts val="0"/>
+              </a:spcBef>
+              <a:spcAft>
+                <a:spcPts val="0"/>
+              </a:spcAft>
+              <a:buNone/>
+            </a:pPr>
+            <a:r>
+              <a:rPr lang="uk" sz="3200" dirty="0"/>
+              <a:t>Приклад реалізації</a:t>
+            </a:r>
+            <a:endParaRPr sz="3200" dirty="0"/>
+          </a:p>
+        </p:txBody>
+      </p:sp>
+      <p:pic>
+        <p:nvPicPr>
+          <p:cNvPr id="122" name="Google Shape;122;p21"/>
+          <p:cNvPicPr preferRelativeResize="0"/>
+          <p:nvPr/>
+        </p:nvPicPr>
+        <p:blipFill>
+          <a:blip r:embed="rId3">
+            <a:alphaModFix/>
+          </a:blip>
+          <a:stretch>
+            <a:fillRect/>
+          </a:stretch>
+        </p:blipFill>
+        <p:spPr>
+          <a:xfrm>
+            <a:off x="268925" y="4359500"/>
+            <a:ext cx="862250" cy="581750"/>
+          </a:xfrm>
+          <a:prstGeom prst="rect">
+            <a:avLst/>
+          </a:prstGeom>
+          <a:noFill/>
+          <a:ln>
+            <a:noFill/>
+          </a:ln>
+        </p:spPr>
+      </p:pic>
+      <p:sp>
+        <p:nvSpPr>
+          <p:cNvPr id="2" name="TextBox 1">
+            <a:extLst>
+              <a:ext uri="{FF2B5EF4-FFF2-40B4-BE49-F238E27FC236}">
+                <a16:creationId xmlns:a16="http://schemas.microsoft.com/office/drawing/2014/main" id="{68800C66-AABB-EFA8-12F4-0C56A1243712}"/>
+              </a:ext>
+            </a:extLst>
+          </p:cNvPr>
+          <p:cNvSpPr txBox="1"/>
+          <p:nvPr/>
+        </p:nvSpPr>
+        <p:spPr>
+          <a:xfrm>
+            <a:off x="8778240" y="4606349"/>
+            <a:ext cx="284052" cy="307777"/>
+          </a:xfrm>
+          <a:prstGeom prst="rect">
+            <a:avLst/>
+          </a:prstGeom>
+          <a:noFill/>
+        </p:spPr>
+        <p:txBody>
+          <a:bodyPr wrap="none" rtlCol="0">
+            <a:spAutoFit/>
+          </a:bodyPr>
+          <a:lstStyle/>
+          <a:p>
+            <a:fld id="{A35EEF41-5B9E-4186-8855-3C8162DCC2D6}" type="slidenum">
+              <a:rPr lang="uk-UA" smtClean="0"/>
+              <a:t>11</a:t>
+            </a:fld>
+            <a:endParaRPr lang="uk-UA" dirty="0"/>
+          </a:p>
+        </p:txBody>
+      </p:sp>
+      <p:pic>
+        <p:nvPicPr>
           <p:cNvPr id="10" name="Рисунок 9"/>
           <p:cNvPicPr/>
           <p:nvPr/>
@@ -8401,7 +8779,7 @@
 </p:sld>
 </file>
 
-<file path=ppt/slides/slide11.xml><?xml version="1.0" encoding="utf-8"?>
+<file path=ppt/slides/slide12.xml><?xml version="1.0" encoding="utf-8"?>
 <p:sld xmlns:a="http://schemas.openxmlformats.org/drawingml/2006/main" xmlns:r="http://schemas.openxmlformats.org/officeDocument/2006/relationships" xmlns:p="http://schemas.openxmlformats.org/presentationml/2006/main">
   <p:cSld>
     <p:spTree>
@@ -8518,7 +8896,7 @@
           <a:p>
             <a:fld id="{A35EEF41-5B9E-4186-8855-3C8162DCC2D6}" type="slidenum">
               <a:rPr lang="uk-UA" smtClean="0"/>
-              <a:t>11</a:t>
+              <a:t>12</a:t>
             </a:fld>
             <a:endParaRPr lang="uk-UA" dirty="0"/>
           </a:p>
@@ -8692,7 +9070,7 @@
 </p:sld>
 </file>
 
-<file path=ppt/slides/slide12.xml><?xml version="1.0" encoding="utf-8"?>
+<file path=ppt/slides/slide13.xml><?xml version="1.0" encoding="utf-8"?>
 <p:sld xmlns:a="http://schemas.openxmlformats.org/drawingml/2006/main" xmlns:r="http://schemas.openxmlformats.org/officeDocument/2006/relationships" xmlns:p="http://schemas.openxmlformats.org/presentationml/2006/main">
   <p:cSld>
     <p:spTree>
@@ -8809,7 +9187,7 @@
           <a:p>
             <a:fld id="{A35EEF41-5B9E-4186-8855-3C8162DCC2D6}" type="slidenum">
               <a:rPr lang="uk-UA" smtClean="0"/>
-              <a:t>12</a:t>
+              <a:t>13</a:t>
             </a:fld>
             <a:endParaRPr lang="uk-UA" dirty="0"/>
           </a:p>
@@ -8862,7 +9240,7 @@
 </p:sld>
 </file>
 
-<file path=ppt/slides/slide13.xml><?xml version="1.0" encoding="utf-8"?>
+<file path=ppt/slides/slide14.xml><?xml version="1.0" encoding="utf-8"?>
 <p:sld xmlns:a="http://schemas.openxmlformats.org/drawingml/2006/main" xmlns:r="http://schemas.openxmlformats.org/officeDocument/2006/relationships" xmlns:p="http://schemas.openxmlformats.org/presentationml/2006/main">
   <p:cSld>
     <p:spTree>
@@ -8979,7 +9357,7 @@
           <a:p>
             <a:fld id="{A35EEF41-5B9E-4186-8855-3C8162DCC2D6}" type="slidenum">
               <a:rPr lang="uk-UA" smtClean="0"/>
-              <a:t>13</a:t>
+              <a:t>14</a:t>
             </a:fld>
             <a:endParaRPr lang="uk-UA" dirty="0"/>
           </a:p>
@@ -13632,6 +14010,316 @@
   <p:cSld>
     <p:spTree>
       <p:nvGrpSpPr>
+        <p:cNvPr id="1" name="Shape 98">
+          <a:extLst>
+            <a:ext uri="{FF2B5EF4-FFF2-40B4-BE49-F238E27FC236}">
+              <a16:creationId xmlns:a16="http://schemas.microsoft.com/office/drawing/2014/main" id="{C45AA7A2-4B8C-2048-0EE3-A3BC21CA4D44}"/>
+            </a:ext>
+          </a:extLst>
+        </p:cNvPr>
+        <p:cNvGrpSpPr/>
+        <p:nvPr/>
+      </p:nvGrpSpPr>
+      <p:grpSpPr>
+        <a:xfrm>
+          <a:off x="0" y="0"/>
+          <a:ext cx="0" cy="0"/>
+          <a:chOff x="0" y="0"/>
+          <a:chExt cx="0" cy="0"/>
+        </a:xfrm>
+      </p:grpSpPr>
+      <p:sp>
+        <p:nvSpPr>
+          <p:cNvPr id="99" name="Google Shape;99;p18">
+            <a:extLst>
+              <a:ext uri="{FF2B5EF4-FFF2-40B4-BE49-F238E27FC236}">
+                <a16:creationId xmlns:a16="http://schemas.microsoft.com/office/drawing/2014/main" id="{D8B02F72-9C0A-DC0E-E3D9-29B9CEA749FF}"/>
+              </a:ext>
+            </a:extLst>
+          </p:cNvPr>
+          <p:cNvSpPr txBox="1">
+            <a:spLocks noGrp="1"/>
+          </p:cNvSpPr>
+          <p:nvPr>
+            <p:ph type="title"/>
+          </p:nvPr>
+        </p:nvSpPr>
+        <p:spPr>
+          <a:xfrm>
+            <a:off x="268925" y="349659"/>
+            <a:ext cx="8520600" cy="451229"/>
+          </a:xfrm>
+          <a:prstGeom prst="rect">
+            <a:avLst/>
+          </a:prstGeom>
+        </p:spPr>
+        <p:txBody>
+          <a:bodyPr spcFirstLastPara="1" wrap="square" lIns="91425" tIns="91425" rIns="91425" bIns="91425" anchor="b" anchorCtr="0">
+            <a:noAutofit/>
+          </a:bodyPr>
+          <a:lstStyle/>
+          <a:p>
+            <a:pPr marL="0" lvl="0" indent="0" algn="l" rtl="0">
+              <a:spcBef>
+                <a:spcPts val="0"/>
+              </a:spcBef>
+              <a:spcAft>
+                <a:spcPts val="0"/>
+              </a:spcAft>
+              <a:buNone/>
+            </a:pPr>
+            <a:r>
+              <a:rPr lang="uk-UA" sz="3200" dirty="0"/>
+              <a:t>Програмна реалізація</a:t>
+            </a:r>
+            <a:endParaRPr sz="3200" dirty="0"/>
+          </a:p>
+        </p:txBody>
+      </p:sp>
+      <p:pic>
+        <p:nvPicPr>
+          <p:cNvPr id="101" name="Google Shape;101;p18">
+            <a:extLst>
+              <a:ext uri="{FF2B5EF4-FFF2-40B4-BE49-F238E27FC236}">
+                <a16:creationId xmlns:a16="http://schemas.microsoft.com/office/drawing/2014/main" id="{F7A81502-392B-CD7E-4531-D50953AF87DE}"/>
+              </a:ext>
+            </a:extLst>
+          </p:cNvPr>
+          <p:cNvPicPr preferRelativeResize="0"/>
+          <p:nvPr/>
+        </p:nvPicPr>
+        <p:blipFill>
+          <a:blip r:embed="rId3">
+            <a:alphaModFix/>
+          </a:blip>
+          <a:stretch>
+            <a:fillRect/>
+          </a:stretch>
+        </p:blipFill>
+        <p:spPr>
+          <a:xfrm>
+            <a:off x="268925" y="4359500"/>
+            <a:ext cx="862250" cy="581750"/>
+          </a:xfrm>
+          <a:prstGeom prst="rect">
+            <a:avLst/>
+          </a:prstGeom>
+          <a:noFill/>
+          <a:ln>
+            <a:noFill/>
+          </a:ln>
+        </p:spPr>
+      </p:pic>
+      <p:sp>
+        <p:nvSpPr>
+          <p:cNvPr id="2" name="TextBox 1">
+            <a:extLst>
+              <a:ext uri="{FF2B5EF4-FFF2-40B4-BE49-F238E27FC236}">
+                <a16:creationId xmlns:a16="http://schemas.microsoft.com/office/drawing/2014/main" id="{2ECBFB20-99BE-E431-40AA-3B8CFB1969AC}"/>
+              </a:ext>
+            </a:extLst>
+          </p:cNvPr>
+          <p:cNvSpPr txBox="1"/>
+          <p:nvPr/>
+        </p:nvSpPr>
+        <p:spPr>
+          <a:xfrm>
+            <a:off x="8778240" y="4606349"/>
+            <a:ext cx="284052" cy="307777"/>
+          </a:xfrm>
+          <a:prstGeom prst="rect">
+            <a:avLst/>
+          </a:prstGeom>
+          <a:noFill/>
+        </p:spPr>
+        <p:txBody>
+          <a:bodyPr wrap="none" rtlCol="0">
+            <a:spAutoFit/>
+          </a:bodyPr>
+          <a:lstStyle/>
+          <a:p>
+            <a:fld id="{A35EEF41-5B9E-4186-8855-3C8162DCC2D6}" type="slidenum">
+              <a:rPr lang="uk-UA" smtClean="0"/>
+              <a:t>8</a:t>
+            </a:fld>
+            <a:endParaRPr lang="uk-UA" dirty="0"/>
+          </a:p>
+        </p:txBody>
+      </p:sp>
+      <p:pic>
+        <p:nvPicPr>
+          <p:cNvPr id="4" name="Рисунок 3">
+            <a:extLst>
+              <a:ext uri="{FF2B5EF4-FFF2-40B4-BE49-F238E27FC236}">
+                <a16:creationId xmlns:a16="http://schemas.microsoft.com/office/drawing/2014/main" id="{52906A0A-92A0-B01E-6977-1717BF3AF970}"/>
+              </a:ext>
+            </a:extLst>
+          </p:cNvPr>
+          <p:cNvPicPr>
+            <a:picLocks noChangeAspect="1"/>
+          </p:cNvPicPr>
+          <p:nvPr/>
+        </p:nvPicPr>
+        <p:blipFill>
+          <a:blip r:embed="rId4"/>
+          <a:stretch>
+            <a:fillRect/>
+          </a:stretch>
+        </p:blipFill>
+        <p:spPr>
+          <a:xfrm>
+            <a:off x="3690007" y="896496"/>
+            <a:ext cx="4938026" cy="3614245"/>
+          </a:xfrm>
+          <a:prstGeom prst="rect">
+            <a:avLst/>
+          </a:prstGeom>
+        </p:spPr>
+      </p:pic>
+      <p:sp>
+        <p:nvSpPr>
+          <p:cNvPr id="9" name="Прямоугольник 8">
+            <a:extLst>
+              <a:ext uri="{FF2B5EF4-FFF2-40B4-BE49-F238E27FC236}">
+                <a16:creationId xmlns:a16="http://schemas.microsoft.com/office/drawing/2014/main" id="{AA31B741-060B-CD76-BA12-AFA1D8EC83AA}"/>
+              </a:ext>
+            </a:extLst>
+          </p:cNvPr>
+          <p:cNvSpPr/>
+          <p:nvPr/>
+        </p:nvSpPr>
+        <p:spPr>
+          <a:xfrm>
+            <a:off x="303609" y="1019027"/>
+            <a:ext cx="3098132" cy="1169551"/>
+          </a:xfrm>
+          <a:prstGeom prst="rect">
+            <a:avLst/>
+          </a:prstGeom>
+        </p:spPr>
+        <p:txBody>
+          <a:bodyPr wrap="square">
+            <a:spAutoFit/>
+          </a:bodyPr>
+          <a:lstStyle/>
+          <a:p>
+            <a:pPr lvl="0" eaLnBrk="0" fontAlgn="base" hangingPunct="0">
+              <a:spcBef>
+                <a:spcPct val="0"/>
+              </a:spcBef>
+              <a:spcAft>
+                <a:spcPct val="0"/>
+              </a:spcAft>
+              <a:buClrTx/>
+            </a:pPr>
+            <a:r>
+              <a:rPr lang="uk-UA" altLang="en-US" dirty="0">
+                <a:solidFill>
+                  <a:schemeClr val="tx1"/>
+                </a:solidFill>
+                <a:latin typeface="Consolas" panose="020B0609020204030204" pitchFamily="49" charset="0"/>
+              </a:rPr>
+              <a:t>Алгоритм конвертації пакетів</a:t>
+            </a:r>
+            <a:r>
+              <a:rPr lang="en-AU" altLang="en-US" dirty="0">
+                <a:solidFill>
+                  <a:schemeClr val="tx1"/>
+                </a:solidFill>
+                <a:latin typeface="Consolas" panose="020B0609020204030204" pitchFamily="49" charset="0"/>
+              </a:rPr>
+              <a:t> (</a:t>
+            </a:r>
+            <a:r>
+              <a:rPr lang="en-AU" altLang="en-US" dirty="0" err="1">
+                <a:solidFill>
+                  <a:schemeClr val="tx1"/>
+                </a:solidFill>
+                <a:latin typeface="Consolas" panose="020B0609020204030204" pitchFamily="49" charset="0"/>
+              </a:rPr>
+              <a:t>pcap</a:t>
+            </a:r>
+            <a:r>
+              <a:rPr lang="en-AU" altLang="en-US" dirty="0">
+                <a:solidFill>
+                  <a:schemeClr val="tx1"/>
+                </a:solidFill>
+                <a:latin typeface="Consolas" panose="020B0609020204030204" pitchFamily="49" charset="0"/>
+              </a:rPr>
+              <a:t>)</a:t>
+            </a:r>
+            <a:r>
+              <a:rPr lang="uk-UA" altLang="en-US" dirty="0">
+                <a:solidFill>
+                  <a:schemeClr val="tx1"/>
+                </a:solidFill>
+                <a:latin typeface="Consolas" panose="020B0609020204030204" pitchFamily="49" charset="0"/>
+              </a:rPr>
+              <a:t> у </a:t>
+            </a:r>
+            <a:r>
+              <a:rPr lang="en-US" altLang="en-US" dirty="0">
+                <a:solidFill>
+                  <a:schemeClr val="tx1"/>
+                </a:solidFill>
+                <a:latin typeface="Consolas" panose="020B0609020204030204" pitchFamily="49" charset="0"/>
+              </a:rPr>
+              <a:t>flow – </a:t>
+            </a:r>
+            <a:r>
+              <a:rPr lang="uk-UA" altLang="en-US" dirty="0">
+                <a:solidFill>
+                  <a:schemeClr val="tx1"/>
+                </a:solidFill>
+                <a:latin typeface="Consolas" panose="020B0609020204030204" pitchFamily="49" charset="0"/>
+              </a:rPr>
+              <a:t>підрахування часу сесій і інших параметрів – з використанням бібліотеки </a:t>
+            </a:r>
+            <a:r>
+              <a:rPr lang="en-AU" altLang="en-US" dirty="0" err="1">
+                <a:solidFill>
+                  <a:schemeClr val="tx1"/>
+                </a:solidFill>
+                <a:latin typeface="Consolas" panose="020B0609020204030204" pitchFamily="49" charset="0"/>
+              </a:rPr>
+              <a:t>Numpy</a:t>
+            </a:r>
+            <a:r>
+              <a:rPr lang="en-AU" altLang="en-US" dirty="0">
+                <a:solidFill>
+                  <a:schemeClr val="tx1"/>
+                </a:solidFill>
+                <a:latin typeface="Consolas" panose="020B0609020204030204" pitchFamily="49" charset="0"/>
+              </a:rPr>
+              <a:t>. </a:t>
+            </a:r>
+            <a:endParaRPr lang="en-US" altLang="en-US" dirty="0">
+              <a:solidFill>
+                <a:schemeClr val="tx1"/>
+              </a:solidFill>
+              <a:latin typeface="Consolas" panose="020B0609020204030204" pitchFamily="49" charset="0"/>
+            </a:endParaRPr>
+          </a:p>
+        </p:txBody>
+      </p:sp>
+    </p:spTree>
+    <p:extLst>
+      <p:ext uri="{BB962C8B-B14F-4D97-AF65-F5344CB8AC3E}">
+        <p14:creationId xmlns:p14="http://schemas.microsoft.com/office/powerpoint/2010/main" val="1441442616"/>
+      </p:ext>
+    </p:extLst>
+  </p:cSld>
+  <p:clrMapOvr>
+    <a:masterClrMapping/>
+  </p:clrMapOvr>
+</p:sld>
+</file>
+
+<file path=ppt/slides/slide9.xml><?xml version="1.0" encoding="utf-8"?>
+<p:sld xmlns:a="http://schemas.openxmlformats.org/drawingml/2006/main" xmlns:r="http://schemas.openxmlformats.org/officeDocument/2006/relationships" xmlns:p="http://schemas.openxmlformats.org/presentationml/2006/main">
+  <p:cSld>
+    <p:spTree>
+      <p:nvGrpSpPr>
         <p:cNvPr id="1" name="Shape 105"/>
         <p:cNvGrpSpPr/>
         <p:nvPr/>
@@ -13744,7 +14432,7 @@
           <a:p>
             <a:fld id="{A35EEF41-5B9E-4186-8855-3C8162DCC2D6}" type="slidenum">
               <a:rPr lang="uk-UA" smtClean="0"/>
-              <a:t>8</a:t>
+              <a:t>9</a:t>
             </a:fld>
             <a:endParaRPr lang="uk-UA" dirty="0"/>
           </a:p>
@@ -14053,256 +14741,6 @@
           </a:prstGeom>
         </p:spPr>
       </p:pic>
-    </p:spTree>
-  </p:cSld>
-  <p:clrMapOvr>
-    <a:masterClrMapping/>
-  </p:clrMapOvr>
-</p:sld>
-</file>
-
-<file path=ppt/slides/slide9.xml><?xml version="1.0" encoding="utf-8"?>
-<p:sld xmlns:a="http://schemas.openxmlformats.org/drawingml/2006/main" xmlns:r="http://schemas.openxmlformats.org/officeDocument/2006/relationships" xmlns:p="http://schemas.openxmlformats.org/presentationml/2006/main">
-  <p:cSld>
-    <p:spTree>
-      <p:nvGrpSpPr>
-        <p:cNvPr id="1" name="Shape 119"/>
-        <p:cNvGrpSpPr/>
-        <p:nvPr/>
-      </p:nvGrpSpPr>
-      <p:grpSpPr>
-        <a:xfrm>
-          <a:off x="0" y="0"/>
-          <a:ext cx="0" cy="0"/>
-          <a:chOff x="0" y="0"/>
-          <a:chExt cx="0" cy="0"/>
-        </a:xfrm>
-      </p:grpSpPr>
-      <p:sp>
-        <p:nvSpPr>
-          <p:cNvPr id="120" name="Google Shape;120;p21"/>
-          <p:cNvSpPr txBox="1">
-            <a:spLocks noGrp="1"/>
-          </p:cNvSpPr>
-          <p:nvPr>
-            <p:ph type="title"/>
-          </p:nvPr>
-        </p:nvSpPr>
-        <p:spPr>
-          <a:xfrm>
-            <a:off x="268925" y="-152998"/>
-            <a:ext cx="8520600" cy="831300"/>
-          </a:xfrm>
-          <a:prstGeom prst="rect">
-            <a:avLst/>
-          </a:prstGeom>
-        </p:spPr>
-        <p:txBody>
-          <a:bodyPr spcFirstLastPara="1" wrap="square" lIns="91425" tIns="91425" rIns="91425" bIns="91425" anchor="b" anchorCtr="0">
-            <a:normAutofit/>
-          </a:bodyPr>
-          <a:lstStyle/>
-          <a:p>
-            <a:pPr marL="0" lvl="0" indent="0" algn="l" rtl="0">
-              <a:spcBef>
-                <a:spcPts val="0"/>
-              </a:spcBef>
-              <a:spcAft>
-                <a:spcPts val="0"/>
-              </a:spcAft>
-              <a:buNone/>
-            </a:pPr>
-            <a:r>
-              <a:rPr lang="uk" sz="3200" dirty="0"/>
-              <a:t>Приклад реалізації</a:t>
-            </a:r>
-            <a:endParaRPr sz="3200" dirty="0"/>
-          </a:p>
-        </p:txBody>
-      </p:sp>
-      <p:pic>
-        <p:nvPicPr>
-          <p:cNvPr id="122" name="Google Shape;122;p21"/>
-          <p:cNvPicPr preferRelativeResize="0"/>
-          <p:nvPr/>
-        </p:nvPicPr>
-        <p:blipFill>
-          <a:blip r:embed="rId3">
-            <a:alphaModFix/>
-          </a:blip>
-          <a:stretch>
-            <a:fillRect/>
-          </a:stretch>
-        </p:blipFill>
-        <p:spPr>
-          <a:xfrm>
-            <a:off x="268925" y="4359500"/>
-            <a:ext cx="862250" cy="581750"/>
-          </a:xfrm>
-          <a:prstGeom prst="rect">
-            <a:avLst/>
-          </a:prstGeom>
-          <a:noFill/>
-          <a:ln>
-            <a:noFill/>
-          </a:ln>
-        </p:spPr>
-      </p:pic>
-      <p:sp>
-        <p:nvSpPr>
-          <p:cNvPr id="2" name="TextBox 1">
-            <a:extLst>
-              <a:ext uri="{FF2B5EF4-FFF2-40B4-BE49-F238E27FC236}">
-                <a16:creationId xmlns:a16="http://schemas.microsoft.com/office/drawing/2014/main" id="{68800C66-AABB-EFA8-12F4-0C56A1243712}"/>
-              </a:ext>
-            </a:extLst>
-          </p:cNvPr>
-          <p:cNvSpPr txBox="1"/>
-          <p:nvPr/>
-        </p:nvSpPr>
-        <p:spPr>
-          <a:xfrm>
-            <a:off x="8778240" y="4606349"/>
-            <a:ext cx="284052" cy="307777"/>
-          </a:xfrm>
-          <a:prstGeom prst="rect">
-            <a:avLst/>
-          </a:prstGeom>
-          <a:noFill/>
-        </p:spPr>
-        <p:txBody>
-          <a:bodyPr wrap="none" rtlCol="0">
-            <a:spAutoFit/>
-          </a:bodyPr>
-          <a:lstStyle/>
-          <a:p>
-            <a:fld id="{A35EEF41-5B9E-4186-8855-3C8162DCC2D6}" type="slidenum">
-              <a:rPr lang="uk-UA" smtClean="0"/>
-              <a:t>9</a:t>
-            </a:fld>
-            <a:endParaRPr lang="uk-UA" dirty="0"/>
-          </a:p>
-        </p:txBody>
-      </p:sp>
-      <p:pic>
-        <p:nvPicPr>
-          <p:cNvPr id="7" name="Рисунок 6"/>
-          <p:cNvPicPr/>
-          <p:nvPr/>
-        </p:nvPicPr>
-        <p:blipFill>
-          <a:blip r:embed="rId4"/>
-          <a:stretch>
-            <a:fillRect/>
-          </a:stretch>
-        </p:blipFill>
-        <p:spPr>
-          <a:xfrm>
-            <a:off x="358981" y="771784"/>
-            <a:ext cx="4822620" cy="2248507"/>
-          </a:xfrm>
-          <a:prstGeom prst="rect">
-            <a:avLst/>
-          </a:prstGeom>
-          <a:ln>
-            <a:solidFill>
-              <a:schemeClr val="tx1"/>
-            </a:solidFill>
-          </a:ln>
-        </p:spPr>
-      </p:pic>
-      <p:pic>
-        <p:nvPicPr>
-          <p:cNvPr id="8" name="Рисунок 7"/>
-          <p:cNvPicPr/>
-          <p:nvPr/>
-        </p:nvPicPr>
-        <p:blipFill rotWithShape="1">
-          <a:blip r:embed="rId5"/>
-          <a:srcRect l="34056" t="23890" r="33501" b="11567"/>
-          <a:stretch/>
-        </p:blipFill>
-        <p:spPr bwMode="auto">
-          <a:xfrm>
-            <a:off x="5363152" y="771784"/>
-            <a:ext cx="3365211" cy="3180196"/>
-          </a:xfrm>
-          <a:prstGeom prst="rect">
-            <a:avLst/>
-          </a:prstGeom>
-          <a:ln w="9525" cap="flat" cmpd="sng" algn="ctr">
-            <a:solidFill>
-              <a:sysClr val="windowText" lastClr="000000"/>
-            </a:solidFill>
-            <a:prstDash val="solid"/>
-            <a:round/>
-            <a:headEnd type="none" w="med" len="med"/>
-            <a:tailEnd type="none" w="med" len="med"/>
-          </a:ln>
-          <a:extLst>
-            <a:ext uri="{53640926-AAD7-44D8-BBD7-CCE9431645EC}">
-              <a14:shadowObscured xmlns:a14="http://schemas.microsoft.com/office/drawing/2010/main"/>
-            </a:ext>
-          </a:extLst>
-        </p:spPr>
-      </p:pic>
-      <p:sp>
-        <p:nvSpPr>
-          <p:cNvPr id="4" name="Прямоугольник 3"/>
-          <p:cNvSpPr/>
-          <p:nvPr/>
-        </p:nvSpPr>
-        <p:spPr>
-          <a:xfrm>
-            <a:off x="2243225" y="3382118"/>
-            <a:ext cx="4572000" cy="307777"/>
-          </a:xfrm>
-          <a:prstGeom prst="rect">
-            <a:avLst/>
-          </a:prstGeom>
-        </p:spPr>
-        <p:txBody>
-          <a:bodyPr>
-            <a:spAutoFit/>
-          </a:bodyPr>
-          <a:lstStyle/>
-          <a:p>
-            <a:pPr lvl="0" eaLnBrk="0" fontAlgn="base" hangingPunct="0">
-              <a:spcBef>
-                <a:spcPct val="0"/>
-              </a:spcBef>
-              <a:spcAft>
-                <a:spcPct val="0"/>
-              </a:spcAft>
-              <a:buClrTx/>
-            </a:pPr>
-            <a:r>
-              <a:rPr lang="ru-RU" altLang="en-US" dirty="0" err="1">
-                <a:solidFill>
-                  <a:schemeClr val="tx1"/>
-                </a:solidFill>
-                <a:latin typeface="Consolas" panose="020B0609020204030204" pitchFamily="49" charset="0"/>
-              </a:rPr>
-              <a:t>Авторизац</a:t>
-            </a:r>
-            <a:r>
-              <a:rPr lang="uk-UA" altLang="en-US" dirty="0" err="1">
-                <a:solidFill>
-                  <a:schemeClr val="tx1"/>
-                </a:solidFill>
-                <a:latin typeface="Consolas" panose="020B0609020204030204" pitchFamily="49" charset="0"/>
-              </a:rPr>
-              <a:t>ія</a:t>
-            </a:r>
-            <a:endParaRPr lang="en-US" altLang="en-US" dirty="0">
-              <a:solidFill>
-                <a:schemeClr val="tx1"/>
-              </a:solidFill>
-              <a:latin typeface="Consolas" panose="020B0609020204030204" pitchFamily="49" charset="0"/>
-            </a:endParaRPr>
-          </a:p>
-        </p:txBody>
-      </p:sp>
     </p:spTree>
   </p:cSld>
   <p:clrMapOvr>

--- a/2025_М_ПІ_ІПЗ-23-4_Шульдінер_М_П.pptx
+++ b/2025_М_ПІ_ІПЗ-23-4_Шульдінер_М_П.pptx
@@ -5,7 +5,7 @@
     <p:sldMasterId id="2147483659" r:id="rId1"/>
   </p:sldMasterIdLst>
   <p:notesMasterIdLst>
-    <p:notesMasterId r:id="rId16"/>
+    <p:notesMasterId r:id="rId18"/>
   </p:notesMasterIdLst>
   <p:sldIdLst>
     <p:sldId id="256" r:id="rId2"/>
@@ -15,37 +15,39 @@
     <p:sldId id="259" r:id="rId6"/>
     <p:sldId id="260" r:id="rId7"/>
     <p:sldId id="261" r:id="rId8"/>
-    <p:sldId id="272" r:id="rId9"/>
-    <p:sldId id="262" r:id="rId10"/>
-    <p:sldId id="264" r:id="rId11"/>
-    <p:sldId id="270" r:id="rId12"/>
-    <p:sldId id="268" r:id="rId13"/>
-    <p:sldId id="269" r:id="rId14"/>
-    <p:sldId id="267" r:id="rId15"/>
+    <p:sldId id="273" r:id="rId9"/>
+    <p:sldId id="272" r:id="rId10"/>
+    <p:sldId id="262" r:id="rId11"/>
+    <p:sldId id="264" r:id="rId12"/>
+    <p:sldId id="270" r:id="rId13"/>
+    <p:sldId id="268" r:id="rId14"/>
+    <p:sldId id="274" r:id="rId15"/>
+    <p:sldId id="269" r:id="rId16"/>
+    <p:sldId id="267" r:id="rId17"/>
   </p:sldIdLst>
   <p:sldSz cx="9144000" cy="5143500" type="screen16x9"/>
   <p:notesSz cx="6858000" cy="9144000"/>
   <p:embeddedFontLst>
     <p:embeddedFont>
       <p:font typeface="Consolas" panose="020B0609020204030204" pitchFamily="49" charset="0"/>
-      <p:regular r:id="rId17"/>
-      <p:bold r:id="rId18"/>
-      <p:italic r:id="rId19"/>
-      <p:boldItalic r:id="rId20"/>
+      <p:regular r:id="rId19"/>
+      <p:bold r:id="rId20"/>
+      <p:italic r:id="rId21"/>
+      <p:boldItalic r:id="rId22"/>
     </p:embeddedFont>
     <p:embeddedFont>
       <p:font typeface="Economica" panose="020B0604020202020204" charset="0"/>
-      <p:regular r:id="rId21"/>
-      <p:bold r:id="rId22"/>
-      <p:italic r:id="rId23"/>
-      <p:boldItalic r:id="rId24"/>
+      <p:regular r:id="rId23"/>
+      <p:bold r:id="rId24"/>
+      <p:italic r:id="rId25"/>
+      <p:boldItalic r:id="rId26"/>
     </p:embeddedFont>
     <p:embeddedFont>
       <p:font typeface="Open Sans" panose="020B0606030504020204" pitchFamily="34" charset="0"/>
-      <p:regular r:id="rId25"/>
-      <p:bold r:id="rId26"/>
-      <p:italic r:id="rId27"/>
-      <p:boldItalic r:id="rId28"/>
+      <p:regular r:id="rId27"/>
+      <p:bold r:id="rId28"/>
+      <p:italic r:id="rId29"/>
+      <p:boldItalic r:id="rId30"/>
     </p:embeddedFont>
   </p:embeddedFontLst>
   <p:defaultTextStyle>
@@ -851,7 +853,7 @@
   <p:cSld>
     <p:spTree>
       <p:nvGrpSpPr>
-        <p:cNvPr id="1" name="Shape 116"/>
+        <p:cNvPr id="1" name="Shape 102"/>
         <p:cNvGrpSpPr/>
         <p:nvPr/>
       </p:nvGrpSpPr>
@@ -865,7 +867,7 @@
       </p:grpSpPr>
       <p:sp>
         <p:nvSpPr>
-          <p:cNvPr id="117" name="Google Shape;117;g2e16b2adad1_0_35:notes"/>
+          <p:cNvPr id="103" name="Google Shape;103;g2e16b2adad1_0_24:notes"/>
           <p:cNvSpPr>
             <a:spLocks noGrp="1" noRot="1" noChangeAspect="1"/>
           </p:cNvSpPr>
@@ -906,7 +908,7 @@
       </p:sp>
       <p:sp>
         <p:nvSpPr>
-          <p:cNvPr id="118" name="Google Shape;118;g2e16b2adad1_0_35:notes"/>
+          <p:cNvPr id="104" name="Google Shape;104;g2e16b2adad1_0_24:notes"/>
           <p:cNvSpPr txBox="1">
             <a:spLocks noGrp="1"/>
           </p:cNvSpPr>
@@ -938,7 +940,7 @@
               </a:spcAft>
               <a:buNone/>
             </a:pPr>
-            <a:endParaRPr/>
+            <a:endParaRPr dirty="0"/>
           </a:p>
         </p:txBody>
       </p:sp>
@@ -1047,6 +1049,110 @@
         </p:txBody>
       </p:sp>
     </p:spTree>
+  </p:cSld>
+  <p:clrMapOvr>
+    <a:masterClrMapping/>
+  </p:clrMapOvr>
+</p:notes>
+</file>
+
+<file path=ppt/notesSlides/notesSlide12.xml><?xml version="1.0" encoding="utf-8"?>
+<p:notes xmlns:a="http://schemas.openxmlformats.org/drawingml/2006/main" xmlns:r="http://schemas.openxmlformats.org/officeDocument/2006/relationships" xmlns:p="http://schemas.openxmlformats.org/presentationml/2006/main" showMasterSp="0" showMasterPhAnim="0">
+  <p:cSld>
+    <p:spTree>
+      <p:nvGrpSpPr>
+        <p:cNvPr id="1" name="Shape 116"/>
+        <p:cNvGrpSpPr/>
+        <p:nvPr/>
+      </p:nvGrpSpPr>
+      <p:grpSpPr>
+        <a:xfrm>
+          <a:off x="0" y="0"/>
+          <a:ext cx="0" cy="0"/>
+          <a:chOff x="0" y="0"/>
+          <a:chExt cx="0" cy="0"/>
+        </a:xfrm>
+      </p:grpSpPr>
+      <p:sp>
+        <p:nvSpPr>
+          <p:cNvPr id="117" name="Google Shape;117;g2e16b2adad1_0_35:notes"/>
+          <p:cNvSpPr>
+            <a:spLocks noGrp="1" noRot="1" noChangeAspect="1"/>
+          </p:cNvSpPr>
+          <p:nvPr>
+            <p:ph type="sldImg" idx="2"/>
+          </p:nvPr>
+        </p:nvSpPr>
+        <p:spPr>
+          <a:xfrm>
+            <a:off x="381000" y="685800"/>
+            <a:ext cx="6096000" cy="3429000"/>
+          </a:xfrm>
+          <a:custGeom>
+            <a:avLst/>
+            <a:gdLst/>
+            <a:ahLst/>
+            <a:cxnLst/>
+            <a:rect l="l" t="t" r="r" b="b"/>
+            <a:pathLst>
+              <a:path w="120000" h="120000" extrusionOk="0">
+                <a:moveTo>
+                  <a:pt x="0" y="0"/>
+                </a:moveTo>
+                <a:lnTo>
+                  <a:pt x="120000" y="0"/>
+                </a:lnTo>
+                <a:lnTo>
+                  <a:pt x="120000" y="120000"/>
+                </a:lnTo>
+                <a:lnTo>
+                  <a:pt x="0" y="120000"/>
+                </a:lnTo>
+                <a:close/>
+              </a:path>
+            </a:pathLst>
+          </a:custGeom>
+        </p:spPr>
+      </p:sp>
+      <p:sp>
+        <p:nvSpPr>
+          <p:cNvPr id="118" name="Google Shape;118;g2e16b2adad1_0_35:notes"/>
+          <p:cNvSpPr txBox="1">
+            <a:spLocks noGrp="1"/>
+          </p:cNvSpPr>
+          <p:nvPr>
+            <p:ph type="body" idx="1"/>
+          </p:nvPr>
+        </p:nvSpPr>
+        <p:spPr>
+          <a:xfrm>
+            <a:off x="685800" y="4343400"/>
+            <a:ext cx="5486400" cy="4114800"/>
+          </a:xfrm>
+          <a:prstGeom prst="rect">
+            <a:avLst/>
+          </a:prstGeom>
+        </p:spPr>
+        <p:txBody>
+          <a:bodyPr spcFirstLastPara="1" wrap="square" lIns="91425" tIns="91425" rIns="91425" bIns="91425" anchor="t" anchorCtr="0">
+            <a:noAutofit/>
+          </a:bodyPr>
+          <a:lstStyle/>
+          <a:p>
+            <a:pPr marL="0" lvl="0" indent="0" algn="l" rtl="0">
+              <a:spcBef>
+                <a:spcPts val="0"/>
+              </a:spcBef>
+              <a:spcAft>
+                <a:spcPts val="0"/>
+              </a:spcAft>
+              <a:buNone/>
+            </a:pPr>
+            <a:endParaRPr/>
+          </a:p>
+        </p:txBody>
+      </p:sp>
+    </p:spTree>
     <p:extLst>
       <p:ext uri="{BB962C8B-B14F-4D97-AF65-F5344CB8AC3E}">
         <p14:creationId xmlns:p14="http://schemas.microsoft.com/office/powerpoint/2010/main" val="2242551332"/>
@@ -1059,7 +1165,7 @@
 </p:notes>
 </file>
 
-<file path=ppt/notesSlides/notesSlide12.xml><?xml version="1.0" encoding="utf-8"?>
+<file path=ppt/notesSlides/notesSlide13.xml><?xml version="1.0" encoding="utf-8"?>
 <p:notes xmlns:a="http://schemas.openxmlformats.org/drawingml/2006/main" xmlns:r="http://schemas.openxmlformats.org/officeDocument/2006/relationships" xmlns:p="http://schemas.openxmlformats.org/presentationml/2006/main" showMasterSp="0" showMasterPhAnim="0">
   <p:cSld>
     <p:spTree>
@@ -1163,7 +1269,134 @@
 </p:notes>
 </file>
 
-<file path=ppt/notesSlides/notesSlide13.xml><?xml version="1.0" encoding="utf-8"?>
+<file path=ppt/notesSlides/notesSlide14.xml><?xml version="1.0" encoding="utf-8"?>
+<p:notes xmlns:a="http://schemas.openxmlformats.org/drawingml/2006/main" xmlns:r="http://schemas.openxmlformats.org/officeDocument/2006/relationships" xmlns:p="http://schemas.openxmlformats.org/presentationml/2006/main" showMasterSp="0" showMasterPhAnim="0">
+  <p:cSld>
+    <p:spTree>
+      <p:nvGrpSpPr>
+        <p:cNvPr id="1" name="Shape 123">
+          <a:extLst>
+            <a:ext uri="{FF2B5EF4-FFF2-40B4-BE49-F238E27FC236}">
+              <a16:creationId xmlns:a16="http://schemas.microsoft.com/office/drawing/2014/main" id="{267D7484-F752-0DC3-E919-078DD7FD3237}"/>
+            </a:ext>
+          </a:extLst>
+        </p:cNvPr>
+        <p:cNvGrpSpPr/>
+        <p:nvPr/>
+      </p:nvGrpSpPr>
+      <p:grpSpPr>
+        <a:xfrm>
+          <a:off x="0" y="0"/>
+          <a:ext cx="0" cy="0"/>
+          <a:chOff x="0" y="0"/>
+          <a:chExt cx="0" cy="0"/>
+        </a:xfrm>
+      </p:grpSpPr>
+      <p:sp>
+        <p:nvSpPr>
+          <p:cNvPr id="124" name="Google Shape;124;g2e16b2adad1_0_40:notes">
+            <a:extLst>
+              <a:ext uri="{FF2B5EF4-FFF2-40B4-BE49-F238E27FC236}">
+                <a16:creationId xmlns:a16="http://schemas.microsoft.com/office/drawing/2014/main" id="{419B5D24-9827-8B44-F2DF-35B9074E2E9B}"/>
+              </a:ext>
+            </a:extLst>
+          </p:cNvPr>
+          <p:cNvSpPr>
+            <a:spLocks noGrp="1" noRot="1" noChangeAspect="1"/>
+          </p:cNvSpPr>
+          <p:nvPr>
+            <p:ph type="sldImg" idx="2"/>
+          </p:nvPr>
+        </p:nvSpPr>
+        <p:spPr>
+          <a:xfrm>
+            <a:off x="381000" y="685800"/>
+            <a:ext cx="6096000" cy="3429000"/>
+          </a:xfrm>
+          <a:custGeom>
+            <a:avLst/>
+            <a:gdLst/>
+            <a:ahLst/>
+            <a:cxnLst/>
+            <a:rect l="l" t="t" r="r" b="b"/>
+            <a:pathLst>
+              <a:path w="120000" h="120000" extrusionOk="0">
+                <a:moveTo>
+                  <a:pt x="0" y="0"/>
+                </a:moveTo>
+                <a:lnTo>
+                  <a:pt x="120000" y="0"/>
+                </a:lnTo>
+                <a:lnTo>
+                  <a:pt x="120000" y="120000"/>
+                </a:lnTo>
+                <a:lnTo>
+                  <a:pt x="0" y="120000"/>
+                </a:lnTo>
+                <a:close/>
+              </a:path>
+            </a:pathLst>
+          </a:custGeom>
+        </p:spPr>
+      </p:sp>
+      <p:sp>
+        <p:nvSpPr>
+          <p:cNvPr id="125" name="Google Shape;125;g2e16b2adad1_0_40:notes">
+            <a:extLst>
+              <a:ext uri="{FF2B5EF4-FFF2-40B4-BE49-F238E27FC236}">
+                <a16:creationId xmlns:a16="http://schemas.microsoft.com/office/drawing/2014/main" id="{82F13E5C-319D-9B1D-2E49-E46FCA27E332}"/>
+              </a:ext>
+            </a:extLst>
+          </p:cNvPr>
+          <p:cNvSpPr txBox="1">
+            <a:spLocks noGrp="1"/>
+          </p:cNvSpPr>
+          <p:nvPr>
+            <p:ph type="body" idx="1"/>
+          </p:nvPr>
+        </p:nvSpPr>
+        <p:spPr>
+          <a:xfrm>
+            <a:off x="685800" y="4343400"/>
+            <a:ext cx="5486400" cy="4114800"/>
+          </a:xfrm>
+          <a:prstGeom prst="rect">
+            <a:avLst/>
+          </a:prstGeom>
+        </p:spPr>
+        <p:txBody>
+          <a:bodyPr spcFirstLastPara="1" wrap="square" lIns="91425" tIns="91425" rIns="91425" bIns="91425" anchor="t" anchorCtr="0">
+            <a:noAutofit/>
+          </a:bodyPr>
+          <a:lstStyle/>
+          <a:p>
+            <a:pPr marL="0" lvl="0" indent="0" algn="l" rtl="0">
+              <a:spcBef>
+                <a:spcPts val="0"/>
+              </a:spcBef>
+              <a:spcAft>
+                <a:spcPts val="0"/>
+              </a:spcAft>
+              <a:buNone/>
+            </a:pPr>
+            <a:endParaRPr/>
+          </a:p>
+        </p:txBody>
+      </p:sp>
+    </p:spTree>
+    <p:extLst>
+      <p:ext uri="{BB962C8B-B14F-4D97-AF65-F5344CB8AC3E}">
+        <p14:creationId xmlns:p14="http://schemas.microsoft.com/office/powerpoint/2010/main" val="3967895662"/>
+      </p:ext>
+    </p:extLst>
+  </p:cSld>
+  <p:clrMapOvr>
+    <a:masterClrMapping/>
+  </p:clrMapOvr>
+</p:notes>
+</file>
+
+<file path=ppt/notesSlides/notesSlide15.xml><?xml version="1.0" encoding="utf-8"?>
 <p:notes xmlns:a="http://schemas.openxmlformats.org/drawingml/2006/main" xmlns:r="http://schemas.openxmlformats.org/officeDocument/2006/relationships" xmlns:p="http://schemas.openxmlformats.org/presentationml/2006/main" showMasterSp="0" showMasterPhAnim="0">
   <p:cSld>
     <p:spTree>
@@ -1267,7 +1500,7 @@
 </p:notes>
 </file>
 
-<file path=ppt/notesSlides/notesSlide14.xml><?xml version="1.0" encoding="utf-8"?>
+<file path=ppt/notesSlides/notesSlide16.xml><?xml version="1.0" encoding="utf-8"?>
 <p:notes xmlns:a="http://schemas.openxmlformats.org/drawingml/2006/main" xmlns:r="http://schemas.openxmlformats.org/officeDocument/2006/relationships" xmlns:p="http://schemas.openxmlformats.org/presentationml/2006/main" showMasterSp="0" showMasterPhAnim="0">
   <p:cSld>
     <p:spTree>
@@ -2026,6 +2259,133 @@
         <p:cNvPr id="1" name="Shape 95">
           <a:extLst>
             <a:ext uri="{FF2B5EF4-FFF2-40B4-BE49-F238E27FC236}">
+              <a16:creationId xmlns:a16="http://schemas.microsoft.com/office/drawing/2014/main" id="{81C0323E-2EC6-EDCE-1212-3DCB1A3CDA31}"/>
+            </a:ext>
+          </a:extLst>
+        </p:cNvPr>
+        <p:cNvGrpSpPr/>
+        <p:nvPr/>
+      </p:nvGrpSpPr>
+      <p:grpSpPr>
+        <a:xfrm>
+          <a:off x="0" y="0"/>
+          <a:ext cx="0" cy="0"/>
+          <a:chOff x="0" y="0"/>
+          <a:chExt cx="0" cy="0"/>
+        </a:xfrm>
+      </p:grpSpPr>
+      <p:sp>
+        <p:nvSpPr>
+          <p:cNvPr id="96" name="Google Shape;96;g2e16b2adad1_0_18:notes">
+            <a:extLst>
+              <a:ext uri="{FF2B5EF4-FFF2-40B4-BE49-F238E27FC236}">
+                <a16:creationId xmlns:a16="http://schemas.microsoft.com/office/drawing/2014/main" id="{AB8F9FD8-C051-1D8C-28EE-2E2FE41CA2EE}"/>
+              </a:ext>
+            </a:extLst>
+          </p:cNvPr>
+          <p:cNvSpPr>
+            <a:spLocks noGrp="1" noRot="1" noChangeAspect="1"/>
+          </p:cNvSpPr>
+          <p:nvPr>
+            <p:ph type="sldImg" idx="2"/>
+          </p:nvPr>
+        </p:nvSpPr>
+        <p:spPr>
+          <a:xfrm>
+            <a:off x="381000" y="685800"/>
+            <a:ext cx="6096000" cy="3429000"/>
+          </a:xfrm>
+          <a:custGeom>
+            <a:avLst/>
+            <a:gdLst/>
+            <a:ahLst/>
+            <a:cxnLst/>
+            <a:rect l="l" t="t" r="r" b="b"/>
+            <a:pathLst>
+              <a:path w="120000" h="120000" extrusionOk="0">
+                <a:moveTo>
+                  <a:pt x="0" y="0"/>
+                </a:moveTo>
+                <a:lnTo>
+                  <a:pt x="120000" y="0"/>
+                </a:lnTo>
+                <a:lnTo>
+                  <a:pt x="120000" y="120000"/>
+                </a:lnTo>
+                <a:lnTo>
+                  <a:pt x="0" y="120000"/>
+                </a:lnTo>
+                <a:close/>
+              </a:path>
+            </a:pathLst>
+          </a:custGeom>
+        </p:spPr>
+      </p:sp>
+      <p:sp>
+        <p:nvSpPr>
+          <p:cNvPr id="97" name="Google Shape;97;g2e16b2adad1_0_18:notes">
+            <a:extLst>
+              <a:ext uri="{FF2B5EF4-FFF2-40B4-BE49-F238E27FC236}">
+                <a16:creationId xmlns:a16="http://schemas.microsoft.com/office/drawing/2014/main" id="{B1E76010-345D-9A3B-F184-5C680E8B9108}"/>
+              </a:ext>
+            </a:extLst>
+          </p:cNvPr>
+          <p:cNvSpPr txBox="1">
+            <a:spLocks noGrp="1"/>
+          </p:cNvSpPr>
+          <p:nvPr>
+            <p:ph type="body" idx="1"/>
+          </p:nvPr>
+        </p:nvSpPr>
+        <p:spPr>
+          <a:xfrm>
+            <a:off x="685800" y="4343400"/>
+            <a:ext cx="5486400" cy="4114800"/>
+          </a:xfrm>
+          <a:prstGeom prst="rect">
+            <a:avLst/>
+          </a:prstGeom>
+        </p:spPr>
+        <p:txBody>
+          <a:bodyPr spcFirstLastPara="1" wrap="square" lIns="91425" tIns="91425" rIns="91425" bIns="91425" anchor="t" anchorCtr="0">
+            <a:noAutofit/>
+          </a:bodyPr>
+          <a:lstStyle/>
+          <a:p>
+            <a:pPr marL="0" lvl="0" indent="0" algn="l" rtl="0">
+              <a:spcBef>
+                <a:spcPts val="0"/>
+              </a:spcBef>
+              <a:spcAft>
+                <a:spcPts val="0"/>
+              </a:spcAft>
+              <a:buNone/>
+            </a:pPr>
+            <a:endParaRPr/>
+          </a:p>
+        </p:txBody>
+      </p:sp>
+    </p:spTree>
+    <p:extLst>
+      <p:ext uri="{BB962C8B-B14F-4D97-AF65-F5344CB8AC3E}">
+        <p14:creationId xmlns:p14="http://schemas.microsoft.com/office/powerpoint/2010/main" val="2369767989"/>
+      </p:ext>
+    </p:extLst>
+  </p:cSld>
+  <p:clrMapOvr>
+    <a:masterClrMapping/>
+  </p:clrMapOvr>
+</p:notes>
+</file>
+
+<file path=ppt/notesSlides/notesSlide9.xml><?xml version="1.0" encoding="utf-8"?>
+<p:notes xmlns:a="http://schemas.openxmlformats.org/drawingml/2006/main" xmlns:r="http://schemas.openxmlformats.org/officeDocument/2006/relationships" xmlns:p="http://schemas.openxmlformats.org/presentationml/2006/main" showMasterSp="0" showMasterPhAnim="0">
+  <p:cSld>
+    <p:spTree>
+      <p:nvGrpSpPr>
+        <p:cNvPr id="1" name="Shape 95">
+          <a:extLst>
+            <a:ext uri="{FF2B5EF4-FFF2-40B4-BE49-F238E27FC236}">
               <a16:creationId xmlns:a16="http://schemas.microsoft.com/office/drawing/2014/main" id="{A830F8CD-96F3-AB06-C7BA-E275078FD04D}"/>
             </a:ext>
           </a:extLst>
@@ -2138,110 +2498,6 @@
         <p14:creationId xmlns:p14="http://schemas.microsoft.com/office/powerpoint/2010/main" val="2371895457"/>
       </p:ext>
     </p:extLst>
-  </p:cSld>
-  <p:clrMapOvr>
-    <a:masterClrMapping/>
-  </p:clrMapOvr>
-</p:notes>
-</file>
-
-<file path=ppt/notesSlides/notesSlide9.xml><?xml version="1.0" encoding="utf-8"?>
-<p:notes xmlns:a="http://schemas.openxmlformats.org/drawingml/2006/main" xmlns:r="http://schemas.openxmlformats.org/officeDocument/2006/relationships" xmlns:p="http://schemas.openxmlformats.org/presentationml/2006/main" showMasterSp="0" showMasterPhAnim="0">
-  <p:cSld>
-    <p:spTree>
-      <p:nvGrpSpPr>
-        <p:cNvPr id="1" name="Shape 102"/>
-        <p:cNvGrpSpPr/>
-        <p:nvPr/>
-      </p:nvGrpSpPr>
-      <p:grpSpPr>
-        <a:xfrm>
-          <a:off x="0" y="0"/>
-          <a:ext cx="0" cy="0"/>
-          <a:chOff x="0" y="0"/>
-          <a:chExt cx="0" cy="0"/>
-        </a:xfrm>
-      </p:grpSpPr>
-      <p:sp>
-        <p:nvSpPr>
-          <p:cNvPr id="103" name="Google Shape;103;g2e16b2adad1_0_24:notes"/>
-          <p:cNvSpPr>
-            <a:spLocks noGrp="1" noRot="1" noChangeAspect="1"/>
-          </p:cNvSpPr>
-          <p:nvPr>
-            <p:ph type="sldImg" idx="2"/>
-          </p:nvPr>
-        </p:nvSpPr>
-        <p:spPr>
-          <a:xfrm>
-            <a:off x="381000" y="685800"/>
-            <a:ext cx="6096000" cy="3429000"/>
-          </a:xfrm>
-          <a:custGeom>
-            <a:avLst/>
-            <a:gdLst/>
-            <a:ahLst/>
-            <a:cxnLst/>
-            <a:rect l="l" t="t" r="r" b="b"/>
-            <a:pathLst>
-              <a:path w="120000" h="120000" extrusionOk="0">
-                <a:moveTo>
-                  <a:pt x="0" y="0"/>
-                </a:moveTo>
-                <a:lnTo>
-                  <a:pt x="120000" y="0"/>
-                </a:lnTo>
-                <a:lnTo>
-                  <a:pt x="120000" y="120000"/>
-                </a:lnTo>
-                <a:lnTo>
-                  <a:pt x="0" y="120000"/>
-                </a:lnTo>
-                <a:close/>
-              </a:path>
-            </a:pathLst>
-          </a:custGeom>
-        </p:spPr>
-      </p:sp>
-      <p:sp>
-        <p:nvSpPr>
-          <p:cNvPr id="104" name="Google Shape;104;g2e16b2adad1_0_24:notes"/>
-          <p:cNvSpPr txBox="1">
-            <a:spLocks noGrp="1"/>
-          </p:cNvSpPr>
-          <p:nvPr>
-            <p:ph type="body" idx="1"/>
-          </p:nvPr>
-        </p:nvSpPr>
-        <p:spPr>
-          <a:xfrm>
-            <a:off x="685800" y="4343400"/>
-            <a:ext cx="5486400" cy="4114800"/>
-          </a:xfrm>
-          <a:prstGeom prst="rect">
-            <a:avLst/>
-          </a:prstGeom>
-        </p:spPr>
-        <p:txBody>
-          <a:bodyPr spcFirstLastPara="1" wrap="square" lIns="91425" tIns="91425" rIns="91425" bIns="91425" anchor="t" anchorCtr="0">
-            <a:noAutofit/>
-          </a:bodyPr>
-          <a:lstStyle/>
-          <a:p>
-            <a:pPr marL="0" lvl="0" indent="0" algn="l" rtl="0">
-              <a:spcBef>
-                <a:spcPts val="0"/>
-              </a:spcBef>
-              <a:spcAft>
-                <a:spcPts val="0"/>
-              </a:spcAft>
-              <a:buNone/>
-            </a:pPr>
-            <a:endParaRPr dirty="0"/>
-          </a:p>
-        </p:txBody>
-      </p:sp>
-    </p:spTree>
   </p:cSld>
   <p:clrMapOvr>
     <a:masterClrMapping/>
@@ -8269,6 +8525,440 @@
   <p:cSld>
     <p:spTree>
       <p:nvGrpSpPr>
+        <p:cNvPr id="1" name="Shape 105"/>
+        <p:cNvGrpSpPr/>
+        <p:nvPr/>
+      </p:nvGrpSpPr>
+      <p:grpSpPr>
+        <a:xfrm>
+          <a:off x="0" y="0"/>
+          <a:ext cx="0" cy="0"/>
+          <a:chOff x="0" y="0"/>
+          <a:chExt cx="0" cy="0"/>
+        </a:xfrm>
+      </p:grpSpPr>
+      <p:sp>
+        <p:nvSpPr>
+          <p:cNvPr id="106" name="Google Shape;106;p19"/>
+          <p:cNvSpPr txBox="1">
+            <a:spLocks noGrp="1"/>
+          </p:cNvSpPr>
+          <p:nvPr>
+            <p:ph type="title"/>
+          </p:nvPr>
+        </p:nvSpPr>
+        <p:spPr>
+          <a:xfrm>
+            <a:off x="311700" y="312400"/>
+            <a:ext cx="8520600" cy="831300"/>
+          </a:xfrm>
+          <a:prstGeom prst="rect">
+            <a:avLst/>
+          </a:prstGeom>
+        </p:spPr>
+        <p:txBody>
+          <a:bodyPr spcFirstLastPara="1" wrap="square" lIns="91425" tIns="91425" rIns="91425" bIns="91425" anchor="b" anchorCtr="0">
+            <a:noAutofit/>
+          </a:bodyPr>
+          <a:lstStyle/>
+          <a:p>
+            <a:pPr marL="0" lvl="0" indent="0" algn="l" rtl="0">
+              <a:spcBef>
+                <a:spcPts val="0"/>
+              </a:spcBef>
+              <a:spcAft>
+                <a:spcPts val="0"/>
+              </a:spcAft>
+              <a:buNone/>
+            </a:pPr>
+            <a:r>
+              <a:rPr lang="uk" sz="3200" dirty="0"/>
+              <a:t>Опис програмного забезпечення, що було використано у дослідженні</a:t>
+            </a:r>
+            <a:endParaRPr sz="3200" dirty="0"/>
+          </a:p>
+        </p:txBody>
+      </p:sp>
+      <p:pic>
+        <p:nvPicPr>
+          <p:cNvPr id="108" name="Google Shape;108;p19"/>
+          <p:cNvPicPr preferRelativeResize="0"/>
+          <p:nvPr/>
+        </p:nvPicPr>
+        <p:blipFill>
+          <a:blip r:embed="rId3">
+            <a:alphaModFix/>
+          </a:blip>
+          <a:stretch>
+            <a:fillRect/>
+          </a:stretch>
+        </p:blipFill>
+        <p:spPr>
+          <a:xfrm>
+            <a:off x="268925" y="4359500"/>
+            <a:ext cx="862250" cy="581750"/>
+          </a:xfrm>
+          <a:prstGeom prst="rect">
+            <a:avLst/>
+          </a:prstGeom>
+          <a:noFill/>
+          <a:ln>
+            <a:noFill/>
+          </a:ln>
+        </p:spPr>
+      </p:pic>
+      <p:sp>
+        <p:nvSpPr>
+          <p:cNvPr id="2" name="TextBox 1">
+            <a:extLst>
+              <a:ext uri="{FF2B5EF4-FFF2-40B4-BE49-F238E27FC236}">
+                <a16:creationId xmlns:a16="http://schemas.microsoft.com/office/drawing/2014/main" id="{1226AFC1-F793-030A-440F-FC50C3AEF715}"/>
+              </a:ext>
+            </a:extLst>
+          </p:cNvPr>
+          <p:cNvSpPr txBox="1"/>
+          <p:nvPr/>
+        </p:nvSpPr>
+        <p:spPr>
+          <a:xfrm>
+            <a:off x="8778240" y="4606349"/>
+            <a:ext cx="284052" cy="307777"/>
+          </a:xfrm>
+          <a:prstGeom prst="rect">
+            <a:avLst/>
+          </a:prstGeom>
+          <a:noFill/>
+        </p:spPr>
+        <p:txBody>
+          <a:bodyPr wrap="none" rtlCol="0">
+            <a:spAutoFit/>
+          </a:bodyPr>
+          <a:lstStyle/>
+          <a:p>
+            <a:fld id="{A35EEF41-5B9E-4186-8855-3C8162DCC2D6}" type="slidenum">
+              <a:rPr lang="uk-UA" smtClean="0"/>
+              <a:t>10</a:t>
+            </a:fld>
+            <a:endParaRPr lang="uk-UA" dirty="0"/>
+          </a:p>
+        </p:txBody>
+      </p:sp>
+      <p:sp>
+        <p:nvSpPr>
+          <p:cNvPr id="9" name="Прямоугольник 8"/>
+          <p:cNvSpPr/>
+          <p:nvPr/>
+        </p:nvSpPr>
+        <p:spPr>
+          <a:xfrm>
+            <a:off x="390985" y="1340643"/>
+            <a:ext cx="3098132" cy="2462213"/>
+          </a:xfrm>
+          <a:prstGeom prst="rect">
+            <a:avLst/>
+          </a:prstGeom>
+        </p:spPr>
+        <p:txBody>
+          <a:bodyPr wrap="square">
+            <a:spAutoFit/>
+          </a:bodyPr>
+          <a:lstStyle/>
+          <a:p>
+            <a:pPr lvl="0" eaLnBrk="0" fontAlgn="base" hangingPunct="0">
+              <a:spcBef>
+                <a:spcPct val="0"/>
+              </a:spcBef>
+              <a:spcAft>
+                <a:spcPct val="0"/>
+              </a:spcAft>
+              <a:buClrTx/>
+            </a:pPr>
+            <a:r>
+              <a:rPr lang="uk-UA" altLang="en-US" b="1" noProof="1">
+                <a:solidFill>
+                  <a:schemeClr val="tx1"/>
+                </a:solidFill>
+                <a:latin typeface="Consolas" panose="020B0609020204030204" pitchFamily="49" charset="0"/>
+              </a:rPr>
+              <a:t>IDE:</a:t>
+            </a:r>
+            <a:r>
+              <a:rPr lang="uk-UA" altLang="en-US" noProof="1">
+                <a:solidFill>
+                  <a:schemeClr val="tx1"/>
+                </a:solidFill>
+                <a:latin typeface="Consolas" panose="020B0609020204030204" pitchFamily="49" charset="0"/>
+              </a:rPr>
+              <a:t> PyCharm – розробка скриптів збору та обробки трафіку, налагодження коду серверної частини</a:t>
+            </a:r>
+            <a:r>
+              <a:rPr lang="en-AU" altLang="en-US" noProof="1">
+                <a:solidFill>
+                  <a:schemeClr val="tx1"/>
+                </a:solidFill>
+                <a:latin typeface="Consolas" panose="020B0609020204030204" pitchFamily="49" charset="0"/>
+              </a:rPr>
+              <a:t>.</a:t>
+            </a:r>
+            <a:endParaRPr lang="uk-UA" altLang="en-US" noProof="1">
+              <a:solidFill>
+                <a:schemeClr val="tx1"/>
+              </a:solidFill>
+              <a:latin typeface="Consolas" panose="020B0609020204030204" pitchFamily="49" charset="0"/>
+            </a:endParaRPr>
+          </a:p>
+          <a:p>
+            <a:pPr lvl="0" eaLnBrk="0" fontAlgn="base" hangingPunct="0">
+              <a:spcBef>
+                <a:spcPct val="0"/>
+              </a:spcBef>
+              <a:spcAft>
+                <a:spcPct val="0"/>
+              </a:spcAft>
+              <a:buClrTx/>
+            </a:pPr>
+            <a:r>
+              <a:rPr lang="uk-UA" altLang="en-US" b="1" noProof="1">
+                <a:solidFill>
+                  <a:schemeClr val="tx1"/>
+                </a:solidFill>
+                <a:latin typeface="Consolas" panose="020B0609020204030204" pitchFamily="49" charset="0"/>
+              </a:rPr>
+              <a:t>Технології</a:t>
+            </a:r>
+            <a:r>
+              <a:rPr lang="en-US" altLang="en-US" b="1" dirty="0">
+                <a:solidFill>
+                  <a:schemeClr val="tx1"/>
+                </a:solidFill>
+                <a:latin typeface="Consolas" panose="020B0609020204030204" pitchFamily="49" charset="0"/>
+              </a:rPr>
+              <a:t>:</a:t>
+            </a:r>
+            <a:r>
+              <a:rPr lang="en-US" altLang="en-US" dirty="0">
+                <a:solidFill>
+                  <a:schemeClr val="tx1"/>
+                </a:solidFill>
+                <a:latin typeface="Consolas" panose="020B0609020204030204" pitchFamily="49" charset="0"/>
+              </a:rPr>
+              <a:t> Python 3.</a:t>
+            </a:r>
+            <a:r>
+              <a:rPr lang="pl-PL" altLang="en-US" dirty="0">
+                <a:solidFill>
+                  <a:schemeClr val="tx1"/>
+                </a:solidFill>
+                <a:latin typeface="Consolas" panose="020B0609020204030204" pitchFamily="49" charset="0"/>
+              </a:rPr>
+              <a:t>13</a:t>
+            </a:r>
+            <a:r>
+              <a:rPr lang="en-US" altLang="en-US" dirty="0">
+                <a:solidFill>
+                  <a:schemeClr val="tx1"/>
+                </a:solidFill>
+                <a:latin typeface="Consolas" panose="020B0609020204030204" pitchFamily="49" charset="0"/>
+              </a:rPr>
+              <a:t>, Fast API </a:t>
+            </a:r>
+            <a:r>
+              <a:rPr lang="uk-UA" altLang="en-US" dirty="0">
+                <a:solidFill>
+                  <a:schemeClr val="tx1"/>
+                </a:solidFill>
+                <a:latin typeface="Consolas" panose="020B0609020204030204" pitchFamily="49" charset="0"/>
+              </a:rPr>
+              <a:t>Фреймворк + </a:t>
+            </a:r>
+            <a:r>
+              <a:rPr lang="en-US" altLang="en-US" dirty="0">
+                <a:solidFill>
+                  <a:schemeClr val="tx1"/>
+                </a:solidFill>
+                <a:latin typeface="Consolas" panose="020B0609020204030204" pitchFamily="49" charset="0"/>
+              </a:rPr>
+              <a:t> library </a:t>
+            </a:r>
+            <a:r>
+              <a:rPr lang="en-US" altLang="en-US" dirty="0" err="1">
+                <a:solidFill>
+                  <a:schemeClr val="tx1"/>
+                </a:solidFill>
+                <a:latin typeface="Consolas" panose="020B0609020204030204" pitchFamily="49" charset="0"/>
+              </a:rPr>
+              <a:t>WebSockets</a:t>
+            </a:r>
+            <a:r>
+              <a:rPr lang="en-US" altLang="en-US" dirty="0">
+                <a:solidFill>
+                  <a:schemeClr val="tx1"/>
+                </a:solidFill>
+                <a:latin typeface="Consolas" panose="020B0609020204030204" pitchFamily="49" charset="0"/>
+              </a:rPr>
+              <a:t>, Firebase</a:t>
+            </a:r>
+            <a:br>
+              <a:rPr lang="uk-UA" altLang="en-US" dirty="0">
+                <a:solidFill>
+                  <a:schemeClr val="tx1"/>
+                </a:solidFill>
+                <a:latin typeface="Consolas" panose="020B0609020204030204" pitchFamily="49" charset="0"/>
+              </a:rPr>
+            </a:br>
+            <a:r>
+              <a:rPr lang="uk-UA" altLang="en-US" b="1" noProof="1">
+                <a:solidFill>
+                  <a:schemeClr val="tx1"/>
+                </a:solidFill>
+                <a:latin typeface="Consolas" panose="020B0609020204030204" pitchFamily="49" charset="0"/>
+              </a:rPr>
+              <a:t>IDE:</a:t>
+            </a:r>
+            <a:r>
+              <a:rPr lang="uk-UA" altLang="en-US" noProof="1">
+                <a:solidFill>
+                  <a:schemeClr val="tx1"/>
+                </a:solidFill>
+                <a:latin typeface="Consolas" panose="020B0609020204030204" pitchFamily="49" charset="0"/>
+              </a:rPr>
+              <a:t> </a:t>
+            </a:r>
+            <a:r>
+              <a:rPr lang="en-US" altLang="en-US" noProof="1">
+                <a:solidFill>
+                  <a:schemeClr val="tx1"/>
+                </a:solidFill>
+                <a:latin typeface="Consolas" panose="020B0609020204030204" pitchFamily="49" charset="0"/>
+              </a:rPr>
+              <a:t>VS Code </a:t>
+            </a:r>
+            <a:r>
+              <a:rPr lang="uk-UA" altLang="en-US" noProof="1">
+                <a:solidFill>
+                  <a:schemeClr val="tx1"/>
+                </a:solidFill>
+                <a:latin typeface="Consolas" panose="020B0609020204030204" pitchFamily="49" charset="0"/>
+              </a:rPr>
+              <a:t>– розробка клієнтської частини програми</a:t>
+            </a:r>
+          </a:p>
+          <a:p>
+            <a:pPr lvl="0" eaLnBrk="0" fontAlgn="base" hangingPunct="0">
+              <a:spcBef>
+                <a:spcPct val="0"/>
+              </a:spcBef>
+              <a:spcAft>
+                <a:spcPct val="0"/>
+              </a:spcAft>
+              <a:buClrTx/>
+            </a:pPr>
+            <a:r>
+              <a:rPr lang="uk-UA" altLang="en-US" b="1" noProof="1">
+                <a:solidFill>
+                  <a:schemeClr val="tx1"/>
+                </a:solidFill>
+                <a:latin typeface="Consolas" panose="020B0609020204030204" pitchFamily="49" charset="0"/>
+              </a:rPr>
+              <a:t>Технології</a:t>
+            </a:r>
+            <a:r>
+              <a:rPr lang="en-US" altLang="en-US" b="1" dirty="0">
+                <a:solidFill>
+                  <a:schemeClr val="tx1"/>
+                </a:solidFill>
+                <a:latin typeface="Consolas" panose="020B0609020204030204" pitchFamily="49" charset="0"/>
+              </a:rPr>
+              <a:t>:</a:t>
+            </a:r>
+            <a:r>
+              <a:rPr lang="en-US" altLang="en-US" dirty="0">
+                <a:solidFill>
+                  <a:schemeClr val="tx1"/>
+                </a:solidFill>
+                <a:latin typeface="Consolas" panose="020B0609020204030204" pitchFamily="49" charset="0"/>
+              </a:rPr>
+              <a:t> </a:t>
+            </a:r>
+            <a:r>
+              <a:rPr lang="en-AU" altLang="en-US" dirty="0">
+                <a:solidFill>
+                  <a:schemeClr val="tx1"/>
+                </a:solidFill>
+                <a:latin typeface="Consolas" panose="020B0609020204030204" pitchFamily="49" charset="0"/>
+              </a:rPr>
+              <a:t>TypeScript, </a:t>
+            </a:r>
+            <a:r>
+              <a:rPr lang="uk-UA" altLang="en-US" dirty="0">
+                <a:solidFill>
+                  <a:schemeClr val="tx1"/>
+                </a:solidFill>
+                <a:latin typeface="Consolas" panose="020B0609020204030204" pitchFamily="49" charset="0"/>
+              </a:rPr>
+              <a:t>Фреймворк</a:t>
+            </a:r>
+            <a:r>
+              <a:rPr lang="en-AU" altLang="en-US" dirty="0">
+                <a:solidFill>
+                  <a:schemeClr val="tx1"/>
+                </a:solidFill>
+                <a:latin typeface="Consolas" panose="020B0609020204030204" pitchFamily="49" charset="0"/>
+              </a:rPr>
+              <a:t> Next.JS</a:t>
+            </a:r>
+            <a:endParaRPr lang="en-US" altLang="en-US" dirty="0">
+              <a:solidFill>
+                <a:schemeClr val="tx1"/>
+              </a:solidFill>
+              <a:latin typeface="Consolas" panose="020B0609020204030204" pitchFamily="49" charset="0"/>
+            </a:endParaRPr>
+          </a:p>
+        </p:txBody>
+      </p:sp>
+      <p:pic>
+        <p:nvPicPr>
+          <p:cNvPr id="4" name="Рисунок 3" descr="Изображение выглядит как снимок экрана, текст, программное обеспечение, Мультимедийное программное обеспечение&#10;&#10;Контент, сгенерированный ИИ, может содержать ошибки.">
+            <a:extLst>
+              <a:ext uri="{FF2B5EF4-FFF2-40B4-BE49-F238E27FC236}">
+                <a16:creationId xmlns:a16="http://schemas.microsoft.com/office/drawing/2014/main" id="{460478D3-F9B1-828F-8BC4-3089EDC4C5D1}"/>
+              </a:ext>
+            </a:extLst>
+          </p:cNvPr>
+          <p:cNvPicPr>
+            <a:picLocks noChangeAspect="1"/>
+          </p:cNvPicPr>
+          <p:nvPr/>
+        </p:nvPicPr>
+        <p:blipFill>
+          <a:blip r:embed="rId4"/>
+          <a:stretch>
+            <a:fillRect/>
+          </a:stretch>
+        </p:blipFill>
+        <p:spPr>
+          <a:xfrm>
+            <a:off x="3489117" y="1375989"/>
+            <a:ext cx="5056820" cy="2546988"/>
+          </a:xfrm>
+          <a:prstGeom prst="rect">
+            <a:avLst/>
+          </a:prstGeom>
+        </p:spPr>
+      </p:pic>
+    </p:spTree>
+  </p:cSld>
+  <p:clrMapOvr>
+    <a:masterClrMapping/>
+  </p:clrMapOvr>
+</p:sld>
+</file>
+
+<file path=ppt/slides/slide11.xml><?xml version="1.0" encoding="utf-8"?>
+<p:sld xmlns:a="http://schemas.openxmlformats.org/drawingml/2006/main" xmlns:r="http://schemas.openxmlformats.org/officeDocument/2006/relationships" xmlns:p="http://schemas.openxmlformats.org/presentationml/2006/main">
+  <p:cSld>
+    <p:spTree>
+      <p:nvGrpSpPr>
         <p:cNvPr id="1" name="Shape 119"/>
         <p:cNvGrpSpPr/>
         <p:nvPr/>
@@ -8381,7 +9071,7 @@
           <a:p>
             <a:fld id="{A35EEF41-5B9E-4186-8855-3C8162DCC2D6}" type="slidenum">
               <a:rPr lang="uk-UA" smtClean="0"/>
-              <a:t>10</a:t>
+              <a:t>11</a:t>
             </a:fld>
             <a:endParaRPr lang="uk-UA" dirty="0"/>
           </a:p>
@@ -8514,7 +9204,7 @@
 </p:sld>
 </file>
 
-<file path=ppt/slides/slide11.xml><?xml version="1.0" encoding="utf-8"?>
+<file path=ppt/slides/slide12.xml><?xml version="1.0" encoding="utf-8"?>
 <p:sld xmlns:a="http://schemas.openxmlformats.org/drawingml/2006/main" xmlns:r="http://schemas.openxmlformats.org/officeDocument/2006/relationships" xmlns:p="http://schemas.openxmlformats.org/presentationml/2006/main">
   <p:cSld>
     <p:spTree>
@@ -8631,7 +9321,7 @@
           <a:p>
             <a:fld id="{A35EEF41-5B9E-4186-8855-3C8162DCC2D6}" type="slidenum">
               <a:rPr lang="uk-UA" smtClean="0"/>
-              <a:t>11</a:t>
+              <a:t>12</a:t>
             </a:fld>
             <a:endParaRPr lang="uk-UA" dirty="0"/>
           </a:p>
@@ -8779,7 +9469,7 @@
 </p:sld>
 </file>
 
-<file path=ppt/slides/slide12.xml><?xml version="1.0" encoding="utf-8"?>
+<file path=ppt/slides/slide13.xml><?xml version="1.0" encoding="utf-8"?>
 <p:sld xmlns:a="http://schemas.openxmlformats.org/drawingml/2006/main" xmlns:r="http://schemas.openxmlformats.org/officeDocument/2006/relationships" xmlns:p="http://schemas.openxmlformats.org/presentationml/2006/main">
   <p:cSld>
     <p:spTree>
@@ -8896,7 +9586,7 @@
           <a:p>
             <a:fld id="{A35EEF41-5B9E-4186-8855-3C8162DCC2D6}" type="slidenum">
               <a:rPr lang="uk-UA" smtClean="0"/>
-              <a:t>12</a:t>
+              <a:t>13</a:t>
             </a:fld>
             <a:endParaRPr lang="uk-UA" dirty="0"/>
           </a:p>
@@ -9070,7 +9760,745 @@
 </p:sld>
 </file>
 
-<file path=ppt/slides/slide13.xml><?xml version="1.0" encoding="utf-8"?>
+<file path=ppt/slides/slide14.xml><?xml version="1.0" encoding="utf-8"?>
+<p:sld xmlns:a="http://schemas.openxmlformats.org/drawingml/2006/main" xmlns:r="http://schemas.openxmlformats.org/officeDocument/2006/relationships" xmlns:p="http://schemas.openxmlformats.org/presentationml/2006/main">
+  <p:cSld>
+    <p:spTree>
+      <p:nvGrpSpPr>
+        <p:cNvPr id="1" name="Shape 126">
+          <a:extLst>
+            <a:ext uri="{FF2B5EF4-FFF2-40B4-BE49-F238E27FC236}">
+              <a16:creationId xmlns:a16="http://schemas.microsoft.com/office/drawing/2014/main" id="{E18A3797-1792-39D2-1EC6-1D18264B89F8}"/>
+            </a:ext>
+          </a:extLst>
+        </p:cNvPr>
+        <p:cNvGrpSpPr/>
+        <p:nvPr/>
+      </p:nvGrpSpPr>
+      <p:grpSpPr>
+        <a:xfrm>
+          <a:off x="0" y="0"/>
+          <a:ext cx="0" cy="0"/>
+          <a:chOff x="0" y="0"/>
+          <a:chExt cx="0" cy="0"/>
+        </a:xfrm>
+      </p:grpSpPr>
+      <p:sp>
+        <p:nvSpPr>
+          <p:cNvPr id="127" name="Google Shape;127;p22">
+            <a:extLst>
+              <a:ext uri="{FF2B5EF4-FFF2-40B4-BE49-F238E27FC236}">
+                <a16:creationId xmlns:a16="http://schemas.microsoft.com/office/drawing/2014/main" id="{0858BE21-D3E9-ECC2-2764-481696696ACE}"/>
+              </a:ext>
+            </a:extLst>
+          </p:cNvPr>
+          <p:cNvSpPr txBox="1">
+            <a:spLocks noGrp="1"/>
+          </p:cNvSpPr>
+          <p:nvPr>
+            <p:ph type="title"/>
+          </p:nvPr>
+        </p:nvSpPr>
+        <p:spPr>
+          <a:xfrm>
+            <a:off x="268925" y="-143620"/>
+            <a:ext cx="8520600" cy="831300"/>
+          </a:xfrm>
+          <a:prstGeom prst="rect">
+            <a:avLst/>
+          </a:prstGeom>
+        </p:spPr>
+        <p:txBody>
+          <a:bodyPr spcFirstLastPara="1" wrap="square" lIns="91425" tIns="91425" rIns="91425" bIns="91425" anchor="b" anchorCtr="0">
+            <a:normAutofit/>
+          </a:bodyPr>
+          <a:lstStyle/>
+          <a:p>
+            <a:pPr marL="0" lvl="0" indent="0" algn="l" rtl="0">
+              <a:spcBef>
+                <a:spcPts val="0"/>
+              </a:spcBef>
+              <a:spcAft>
+                <a:spcPts val="0"/>
+              </a:spcAft>
+              <a:buNone/>
+            </a:pPr>
+            <a:r>
+              <a:rPr lang="uk-UA" sz="3200" dirty="0"/>
+              <a:t>Результати і </a:t>
+            </a:r>
+            <a:r>
+              <a:rPr lang="uk" sz="3200" dirty="0"/>
+              <a:t>Тестування</a:t>
+            </a:r>
+            <a:endParaRPr sz="3200" dirty="0"/>
+          </a:p>
+        </p:txBody>
+      </p:sp>
+      <p:pic>
+        <p:nvPicPr>
+          <p:cNvPr id="129" name="Google Shape;129;p22">
+            <a:extLst>
+              <a:ext uri="{FF2B5EF4-FFF2-40B4-BE49-F238E27FC236}">
+                <a16:creationId xmlns:a16="http://schemas.microsoft.com/office/drawing/2014/main" id="{5ADAEFA0-0719-87C1-08D5-9B9DD09E1D1F}"/>
+              </a:ext>
+            </a:extLst>
+          </p:cNvPr>
+          <p:cNvPicPr preferRelativeResize="0"/>
+          <p:nvPr/>
+        </p:nvPicPr>
+        <p:blipFill>
+          <a:blip r:embed="rId3">
+            <a:alphaModFix/>
+          </a:blip>
+          <a:stretch>
+            <a:fillRect/>
+          </a:stretch>
+        </p:blipFill>
+        <p:spPr>
+          <a:xfrm>
+            <a:off x="268925" y="4359500"/>
+            <a:ext cx="862250" cy="581750"/>
+          </a:xfrm>
+          <a:prstGeom prst="rect">
+            <a:avLst/>
+          </a:prstGeom>
+          <a:noFill/>
+          <a:ln>
+            <a:noFill/>
+          </a:ln>
+        </p:spPr>
+      </p:pic>
+      <p:sp>
+        <p:nvSpPr>
+          <p:cNvPr id="2" name="TextBox 1">
+            <a:extLst>
+              <a:ext uri="{FF2B5EF4-FFF2-40B4-BE49-F238E27FC236}">
+                <a16:creationId xmlns:a16="http://schemas.microsoft.com/office/drawing/2014/main" id="{1C36E7FC-EF01-C174-EB51-2487B3C93A17}"/>
+              </a:ext>
+            </a:extLst>
+          </p:cNvPr>
+          <p:cNvSpPr txBox="1"/>
+          <p:nvPr/>
+        </p:nvSpPr>
+        <p:spPr>
+          <a:xfrm>
+            <a:off x="8778240" y="4606349"/>
+            <a:ext cx="284052" cy="307777"/>
+          </a:xfrm>
+          <a:prstGeom prst="rect">
+            <a:avLst/>
+          </a:prstGeom>
+          <a:noFill/>
+        </p:spPr>
+        <p:txBody>
+          <a:bodyPr wrap="none" rtlCol="0">
+            <a:spAutoFit/>
+          </a:bodyPr>
+          <a:lstStyle/>
+          <a:p>
+            <a:fld id="{A35EEF41-5B9E-4186-8855-3C8162DCC2D6}" type="slidenum">
+              <a:rPr lang="uk-UA" smtClean="0"/>
+              <a:t>14</a:t>
+            </a:fld>
+            <a:endParaRPr lang="uk-UA" dirty="0"/>
+          </a:p>
+        </p:txBody>
+      </p:sp>
+      <p:sp>
+        <p:nvSpPr>
+          <p:cNvPr id="5" name="Прямоугольник 4">
+            <a:extLst>
+              <a:ext uri="{FF2B5EF4-FFF2-40B4-BE49-F238E27FC236}">
+                <a16:creationId xmlns:a16="http://schemas.microsoft.com/office/drawing/2014/main" id="{1EDA3AA8-477F-F7E7-3132-C49570560EFA}"/>
+              </a:ext>
+            </a:extLst>
+          </p:cNvPr>
+          <p:cNvSpPr/>
+          <p:nvPr/>
+        </p:nvSpPr>
+        <p:spPr>
+          <a:xfrm>
+            <a:off x="805500" y="2308216"/>
+            <a:ext cx="2981278" cy="738664"/>
+          </a:xfrm>
+          <a:prstGeom prst="rect">
+            <a:avLst/>
+          </a:prstGeom>
+        </p:spPr>
+        <p:txBody>
+          <a:bodyPr wrap="square">
+            <a:spAutoFit/>
+          </a:bodyPr>
+          <a:lstStyle/>
+          <a:p>
+            <a:pPr lvl="0" eaLnBrk="0" fontAlgn="base" hangingPunct="0">
+              <a:spcBef>
+                <a:spcPct val="0"/>
+              </a:spcBef>
+              <a:spcAft>
+                <a:spcPct val="0"/>
+              </a:spcAft>
+              <a:buClrTx/>
+            </a:pPr>
+            <a:r>
+              <a:rPr lang="uk-UA" altLang="en-US" dirty="0">
+                <a:solidFill>
+                  <a:schemeClr val="tx1"/>
+                </a:solidFill>
+                <a:latin typeface="Consolas" panose="020B0609020204030204" pitchFamily="49" charset="0"/>
+              </a:rPr>
+              <a:t>Отримані результати з тренування моделі на тестовому </a:t>
+            </a:r>
+            <a:r>
+              <a:rPr lang="uk-UA" altLang="en-US" dirty="0" err="1">
+                <a:solidFill>
+                  <a:schemeClr val="tx1"/>
+                </a:solidFill>
+                <a:latin typeface="Consolas" panose="020B0609020204030204" pitchFamily="49" charset="0"/>
+              </a:rPr>
+              <a:t>датасеті</a:t>
+            </a:r>
+            <a:r>
+              <a:rPr lang="en-AU" altLang="en-US" dirty="0">
+                <a:solidFill>
+                  <a:schemeClr val="tx1"/>
+                </a:solidFill>
+                <a:latin typeface="Consolas" panose="020B0609020204030204" pitchFamily="49" charset="0"/>
+              </a:rPr>
+              <a:t>.</a:t>
+            </a:r>
+            <a:endParaRPr lang="en-US" altLang="en-US" dirty="0">
+              <a:solidFill>
+                <a:schemeClr val="tx1"/>
+              </a:solidFill>
+              <a:latin typeface="Consolas" panose="020B0609020204030204" pitchFamily="49" charset="0"/>
+            </a:endParaRPr>
+          </a:p>
+        </p:txBody>
+      </p:sp>
+      <p:pic>
+        <p:nvPicPr>
+          <p:cNvPr id="22" name="Рисунок 21">
+            <a:extLst>
+              <a:ext uri="{FF2B5EF4-FFF2-40B4-BE49-F238E27FC236}">
+                <a16:creationId xmlns:a16="http://schemas.microsoft.com/office/drawing/2014/main" id="{0640B00C-F30C-ECAE-1B79-AA5BFE14DA41}"/>
+              </a:ext>
+            </a:extLst>
+          </p:cNvPr>
+          <p:cNvPicPr>
+            <a:picLocks noChangeAspect="1"/>
+          </p:cNvPicPr>
+          <p:nvPr/>
+        </p:nvPicPr>
+        <p:blipFill>
+          <a:blip r:embed="rId4"/>
+          <a:stretch>
+            <a:fillRect/>
+          </a:stretch>
+        </p:blipFill>
+        <p:spPr>
+          <a:xfrm>
+            <a:off x="461566" y="771446"/>
+            <a:ext cx="2912462" cy="1536770"/>
+          </a:xfrm>
+          <a:prstGeom prst="rect">
+            <a:avLst/>
+          </a:prstGeom>
+          <a:ln>
+            <a:solidFill>
+              <a:schemeClr val="tx1"/>
+            </a:solidFill>
+          </a:ln>
+        </p:spPr>
+      </p:pic>
+      <p:sp>
+        <p:nvSpPr>
+          <p:cNvPr id="23" name="Прямоугольник 22">
+            <a:extLst>
+              <a:ext uri="{FF2B5EF4-FFF2-40B4-BE49-F238E27FC236}">
+                <a16:creationId xmlns:a16="http://schemas.microsoft.com/office/drawing/2014/main" id="{98A5D914-751D-DD9F-113F-794B2EA2FC59}"/>
+              </a:ext>
+            </a:extLst>
+          </p:cNvPr>
+          <p:cNvSpPr/>
+          <p:nvPr/>
+        </p:nvSpPr>
+        <p:spPr>
+          <a:xfrm>
+            <a:off x="4362451" y="2702983"/>
+            <a:ext cx="4699842" cy="1600438"/>
+          </a:xfrm>
+          <a:prstGeom prst="rect">
+            <a:avLst/>
+          </a:prstGeom>
+        </p:spPr>
+        <p:txBody>
+          <a:bodyPr wrap="square">
+            <a:spAutoFit/>
+          </a:bodyPr>
+          <a:lstStyle/>
+          <a:p>
+            <a:pPr lvl="0" eaLnBrk="0" fontAlgn="base" hangingPunct="0">
+              <a:spcBef>
+                <a:spcPct val="0"/>
+              </a:spcBef>
+              <a:spcAft>
+                <a:spcPct val="0"/>
+              </a:spcAft>
+              <a:buClrTx/>
+            </a:pPr>
+            <a:r>
+              <a:rPr lang="uk-UA" altLang="en-US" dirty="0">
+                <a:solidFill>
+                  <a:schemeClr val="tx1"/>
+                </a:solidFill>
+                <a:latin typeface="Consolas" panose="020B0609020204030204" pitchFamily="49" charset="0"/>
+              </a:rPr>
+              <a:t>Модель дає дуже маленьку кількість</a:t>
+            </a:r>
+            <a:r>
+              <a:rPr lang="en-US" altLang="en-US" dirty="0">
+                <a:solidFill>
+                  <a:schemeClr val="tx1"/>
+                </a:solidFill>
+                <a:latin typeface="Consolas" panose="020B0609020204030204" pitchFamily="49" charset="0"/>
+              </a:rPr>
+              <a:t> false positives, </a:t>
+            </a:r>
+            <a:r>
+              <a:rPr lang="uk-UA" altLang="en-US" dirty="0">
+                <a:solidFill>
+                  <a:schemeClr val="tx1"/>
+                </a:solidFill>
+                <a:latin typeface="Consolas" panose="020B0609020204030204" pitchFamily="49" charset="0"/>
+              </a:rPr>
+              <a:t>що означає що вона буде дуже </a:t>
+            </a:r>
+            <a:r>
+              <a:rPr lang="uk-UA" altLang="en-US" dirty="0" err="1">
+                <a:solidFill>
+                  <a:schemeClr val="tx1"/>
+                </a:solidFill>
+                <a:latin typeface="Consolas" panose="020B0609020204030204" pitchFamily="49" charset="0"/>
+              </a:rPr>
+              <a:t>рідко</a:t>
+            </a:r>
+            <a:r>
+              <a:rPr lang="uk-UA" altLang="en-US" dirty="0">
+                <a:solidFill>
+                  <a:schemeClr val="tx1"/>
+                </a:solidFill>
+                <a:latin typeface="Consolas" panose="020B0609020204030204" pitchFamily="49" charset="0"/>
+              </a:rPr>
+              <a:t> блокувати нормальний трафік – що дуже гарно для </a:t>
+            </a:r>
+            <a:r>
+              <a:rPr lang="en-US" altLang="en-US" dirty="0">
+                <a:solidFill>
+                  <a:schemeClr val="tx1"/>
+                </a:solidFill>
+                <a:latin typeface="Consolas" panose="020B0609020204030204" pitchFamily="49" charset="0"/>
+              </a:rPr>
+              <a:t>production-level </a:t>
+            </a:r>
+            <a:r>
+              <a:rPr lang="uk-UA" altLang="en-US" dirty="0">
+                <a:solidFill>
+                  <a:schemeClr val="tx1"/>
+                </a:solidFill>
+                <a:latin typeface="Consolas" panose="020B0609020204030204" pitchFamily="49" charset="0"/>
+              </a:rPr>
+              <a:t>системи</a:t>
+            </a:r>
+            <a:r>
+              <a:rPr lang="en-AU" altLang="en-US" dirty="0">
+                <a:solidFill>
+                  <a:schemeClr val="tx1"/>
+                </a:solidFill>
+                <a:latin typeface="Consolas" panose="020B0609020204030204" pitchFamily="49" charset="0"/>
+              </a:rPr>
+              <a:t>. </a:t>
+            </a:r>
+            <a:r>
+              <a:rPr lang="uk-UA" altLang="en-US" dirty="0">
+                <a:solidFill>
+                  <a:schemeClr val="tx1"/>
+                </a:solidFill>
+                <a:latin typeface="Consolas" panose="020B0609020204030204" pitchFamily="49" charset="0"/>
+              </a:rPr>
+              <a:t>Проте</a:t>
+            </a:r>
+            <a:r>
+              <a:rPr lang="en-US" altLang="en-US" dirty="0">
+                <a:solidFill>
+                  <a:schemeClr val="tx1"/>
+                </a:solidFill>
+                <a:latin typeface="Consolas" panose="020B0609020204030204" pitchFamily="49" charset="0"/>
+              </a:rPr>
+              <a:t>,</a:t>
+            </a:r>
+            <a:r>
+              <a:rPr lang="uk-UA" altLang="en-US" dirty="0">
+                <a:solidFill>
+                  <a:schemeClr val="tx1"/>
+                </a:solidFill>
+                <a:latin typeface="Consolas" panose="020B0609020204030204" pitchFamily="49" charset="0"/>
+              </a:rPr>
+              <a:t> також маємо велику кількість </a:t>
+            </a:r>
+            <a:r>
+              <a:rPr lang="en-AU" altLang="en-US" dirty="0">
+                <a:solidFill>
+                  <a:schemeClr val="tx1"/>
+                </a:solidFill>
+                <a:latin typeface="Consolas" panose="020B0609020204030204" pitchFamily="49" charset="0"/>
+              </a:rPr>
+              <a:t>false negative</a:t>
+            </a:r>
+            <a:r>
+              <a:rPr lang="uk-UA" altLang="en-US" dirty="0">
+                <a:solidFill>
+                  <a:schemeClr val="tx1"/>
+                </a:solidFill>
+                <a:latin typeface="Consolas" panose="020B0609020204030204" pitchFamily="49" charset="0"/>
+              </a:rPr>
+              <a:t> – модель не помічає поганий трафік – від того маленький </a:t>
+            </a:r>
+            <a:r>
+              <a:rPr lang="en-US" altLang="en-US" dirty="0">
+                <a:solidFill>
+                  <a:schemeClr val="tx1"/>
+                </a:solidFill>
+                <a:latin typeface="Consolas" panose="020B0609020204030204" pitchFamily="49" charset="0"/>
+              </a:rPr>
+              <a:t>recall.</a:t>
+            </a:r>
+            <a:r>
+              <a:rPr lang="uk-UA" altLang="en-US" dirty="0">
+                <a:solidFill>
+                  <a:schemeClr val="tx1"/>
+                </a:solidFill>
+                <a:latin typeface="Consolas" panose="020B0609020204030204" pitchFamily="49" charset="0"/>
+              </a:rPr>
+              <a:t>	 </a:t>
+            </a:r>
+          </a:p>
+        </p:txBody>
+      </p:sp>
+      <p:sp>
+        <p:nvSpPr>
+          <p:cNvPr id="24" name="Прямоугольник 23">
+            <a:extLst>
+              <a:ext uri="{FF2B5EF4-FFF2-40B4-BE49-F238E27FC236}">
+                <a16:creationId xmlns:a16="http://schemas.microsoft.com/office/drawing/2014/main" id="{C1A80D63-E6CF-3EA3-6D77-651585AEEE98}"/>
+              </a:ext>
+            </a:extLst>
+          </p:cNvPr>
+          <p:cNvSpPr/>
+          <p:nvPr/>
+        </p:nvSpPr>
+        <p:spPr>
+          <a:xfrm>
+            <a:off x="4330700" y="840080"/>
+            <a:ext cx="4803775" cy="1600438"/>
+          </a:xfrm>
+          <a:prstGeom prst="rect">
+            <a:avLst/>
+          </a:prstGeom>
+        </p:spPr>
+        <p:txBody>
+          <a:bodyPr wrap="square">
+            <a:spAutoFit/>
+          </a:bodyPr>
+          <a:lstStyle/>
+          <a:p>
+            <a:pPr lvl="0" eaLnBrk="0" fontAlgn="base" hangingPunct="0">
+              <a:spcBef>
+                <a:spcPct val="0"/>
+              </a:spcBef>
+              <a:spcAft>
+                <a:spcPct val="0"/>
+              </a:spcAft>
+              <a:buClrTx/>
+            </a:pPr>
+            <a:r>
+              <a:rPr lang="uk-UA" altLang="en-US" dirty="0">
+                <a:solidFill>
+                  <a:schemeClr val="tx1"/>
+                </a:solidFill>
+                <a:latin typeface="Consolas" panose="020B0609020204030204" pitchFamily="49" charset="0"/>
+              </a:rPr>
+              <a:t>В початковий дата-сет який складається </a:t>
+            </a:r>
+          </a:p>
+          <a:p>
+            <a:pPr lvl="0" eaLnBrk="0" fontAlgn="base" hangingPunct="0">
+              <a:spcBef>
+                <a:spcPct val="0"/>
+              </a:spcBef>
+              <a:spcAft>
+                <a:spcPct val="0"/>
+              </a:spcAft>
+              <a:buClrTx/>
+            </a:pPr>
+            <a:r>
+              <a:rPr lang="uk-UA" altLang="en-US" dirty="0">
+                <a:solidFill>
+                  <a:schemeClr val="tx1"/>
+                </a:solidFill>
+                <a:latin typeface="Consolas" panose="020B0609020204030204" pitchFamily="49" charset="0"/>
+              </a:rPr>
+              <a:t>з </a:t>
+            </a:r>
+            <a:r>
+              <a:rPr lang="en-AU" altLang="en-US" dirty="0">
+                <a:solidFill>
+                  <a:schemeClr val="tx1"/>
+                </a:solidFill>
+                <a:latin typeface="Consolas" panose="020B0609020204030204" pitchFamily="49" charset="0"/>
+              </a:rPr>
+              <a:t>645,000 </a:t>
+            </a:r>
+            <a:r>
+              <a:rPr lang="uk-UA" altLang="en-US" dirty="0">
+                <a:solidFill>
+                  <a:schemeClr val="tx1"/>
+                </a:solidFill>
+                <a:latin typeface="Consolas" panose="020B0609020204030204" pitchFamily="49" charset="0"/>
+              </a:rPr>
+              <a:t>мережевих потоків</a:t>
+            </a:r>
+            <a:r>
+              <a:rPr lang="en-AU" altLang="en-US" dirty="0">
+                <a:solidFill>
+                  <a:schemeClr val="tx1"/>
+                </a:solidFill>
+                <a:latin typeface="Consolas" panose="020B0609020204030204" pitchFamily="49" charset="0"/>
+              </a:rPr>
+              <a:t>, </a:t>
+            </a:r>
+            <a:r>
+              <a:rPr lang="uk-UA" altLang="en-US" dirty="0">
+                <a:solidFill>
+                  <a:schemeClr val="tx1"/>
+                </a:solidFill>
+                <a:latin typeface="Consolas" panose="020B0609020204030204" pitchFamily="49" charset="0"/>
+              </a:rPr>
+              <a:t>вдалося додати близько </a:t>
+            </a:r>
+            <a:r>
+              <a:rPr lang="en-AU" altLang="en-US" dirty="0">
+                <a:solidFill>
+                  <a:schemeClr val="tx1"/>
+                </a:solidFill>
+                <a:latin typeface="Consolas" panose="020B0609020204030204" pitchFamily="49" charset="0"/>
+              </a:rPr>
+              <a:t>4</a:t>
+            </a:r>
+            <a:r>
+              <a:rPr lang="uk-UA" altLang="en-US" dirty="0">
+                <a:solidFill>
+                  <a:schemeClr val="tx1"/>
+                </a:solidFill>
+                <a:latin typeface="Consolas" panose="020B0609020204030204" pitchFamily="49" charset="0"/>
+              </a:rPr>
+              <a:t>0</a:t>
+            </a:r>
+            <a:r>
+              <a:rPr lang="en-US" altLang="en-US" dirty="0">
+                <a:solidFill>
+                  <a:schemeClr val="tx1"/>
+                </a:solidFill>
+                <a:latin typeface="Consolas" panose="020B0609020204030204" pitchFamily="49" charset="0"/>
+              </a:rPr>
+              <a:t>,000 </a:t>
+            </a:r>
+            <a:r>
+              <a:rPr lang="uk-UA" altLang="en-US" dirty="0">
+                <a:solidFill>
+                  <a:schemeClr val="tx1"/>
+                </a:solidFill>
+                <a:latin typeface="Consolas" panose="020B0609020204030204" pitchFamily="49" charset="0"/>
+              </a:rPr>
+              <a:t>мережевих потоків</a:t>
+            </a:r>
+            <a:r>
+              <a:rPr lang="en-US" altLang="en-US" dirty="0">
+                <a:solidFill>
+                  <a:schemeClr val="tx1"/>
+                </a:solidFill>
+                <a:latin typeface="Consolas" panose="020B0609020204030204" pitchFamily="49" charset="0"/>
+              </a:rPr>
+              <a:t> </a:t>
+            </a:r>
+            <a:r>
+              <a:rPr lang="uk-UA" altLang="en-US" dirty="0">
+                <a:solidFill>
+                  <a:schemeClr val="tx1"/>
+                </a:solidFill>
+                <a:latin typeface="Consolas" panose="020B0609020204030204" pitchFamily="49" charset="0"/>
+              </a:rPr>
+              <a:t>реально трафіку і синтетичного трафіку</a:t>
+            </a:r>
+            <a:r>
+              <a:rPr lang="en-US" altLang="en-US" dirty="0">
+                <a:solidFill>
+                  <a:schemeClr val="tx1"/>
+                </a:solidFill>
+                <a:latin typeface="Consolas" panose="020B0609020204030204" pitchFamily="49" charset="0"/>
+              </a:rPr>
+              <a:t>,</a:t>
+            </a:r>
+            <a:r>
+              <a:rPr lang="uk-UA" altLang="en-US" dirty="0">
+                <a:solidFill>
+                  <a:schemeClr val="tx1"/>
+                </a:solidFill>
+                <a:latin typeface="Consolas" panose="020B0609020204030204" pitchFamily="49" charset="0"/>
+              </a:rPr>
+              <a:t> який симулює </a:t>
+            </a:r>
+            <a:r>
+              <a:rPr lang="en-US" altLang="en-US" dirty="0">
+                <a:solidFill>
+                  <a:schemeClr val="tx1"/>
+                </a:solidFill>
+                <a:latin typeface="Consolas" panose="020B0609020204030204" pitchFamily="49" charset="0"/>
+              </a:rPr>
+              <a:t>network </a:t>
+            </a:r>
+            <a:r>
+              <a:rPr lang="uk-UA" altLang="en-US" dirty="0">
+                <a:solidFill>
+                  <a:schemeClr val="tx1"/>
+                </a:solidFill>
+                <a:latin typeface="Consolas" panose="020B0609020204030204" pitchFamily="49" charset="0"/>
+              </a:rPr>
+              <a:t>атаки</a:t>
+            </a:r>
+            <a:r>
+              <a:rPr lang="en-AU" altLang="en-US" dirty="0">
+                <a:solidFill>
+                  <a:schemeClr val="tx1"/>
+                </a:solidFill>
+                <a:latin typeface="Consolas" panose="020B0609020204030204" pitchFamily="49" charset="0"/>
+              </a:rPr>
+              <a:t>.</a:t>
+            </a:r>
+            <a:r>
+              <a:rPr lang="uk-UA" altLang="en-US" dirty="0">
+                <a:solidFill>
+                  <a:schemeClr val="tx1"/>
+                </a:solidFill>
+                <a:latin typeface="Consolas" panose="020B0609020204030204" pitchFamily="49" charset="0"/>
+              </a:rPr>
+              <a:t> В результаті</a:t>
+            </a:r>
+            <a:r>
+              <a:rPr lang="en-US" altLang="en-US" dirty="0">
+                <a:solidFill>
+                  <a:schemeClr val="tx1"/>
+                </a:solidFill>
+                <a:latin typeface="Consolas" panose="020B0609020204030204" pitchFamily="49" charset="0"/>
+              </a:rPr>
+              <a:t>,</a:t>
+            </a:r>
+            <a:r>
+              <a:rPr lang="ru-RU" altLang="en-US" dirty="0">
+                <a:solidFill>
+                  <a:schemeClr val="tx1"/>
+                </a:solidFill>
+                <a:latin typeface="Consolas" panose="020B0609020204030204" pitchFamily="49" charset="0"/>
+              </a:rPr>
+              <a:t> т</a:t>
+            </a:r>
+            <a:r>
+              <a:rPr lang="uk-UA" altLang="en-US" dirty="0" err="1">
+                <a:solidFill>
+                  <a:schemeClr val="tx1"/>
+                </a:solidFill>
+                <a:latin typeface="Consolas" panose="020B0609020204030204" pitchFamily="49" charset="0"/>
+              </a:rPr>
+              <a:t>естовий</a:t>
+            </a:r>
+            <a:r>
+              <a:rPr lang="uk-UA" altLang="en-US" dirty="0">
+                <a:solidFill>
+                  <a:schemeClr val="tx1"/>
+                </a:solidFill>
+                <a:latin typeface="Consolas" panose="020B0609020204030204" pitchFamily="49" charset="0"/>
+              </a:rPr>
+              <a:t> дата-сет вміщував близько </a:t>
+            </a:r>
+            <a:r>
+              <a:rPr lang="en-AU" altLang="en-US" dirty="0">
+                <a:solidFill>
+                  <a:schemeClr val="tx1"/>
+                </a:solidFill>
+                <a:latin typeface="Consolas" panose="020B0609020204030204" pitchFamily="49" charset="0"/>
+              </a:rPr>
+              <a:t>685,000 </a:t>
+            </a:r>
+            <a:r>
+              <a:rPr lang="uk-UA" altLang="en-US" dirty="0">
+                <a:solidFill>
+                  <a:schemeClr val="tx1"/>
+                </a:solidFill>
+                <a:latin typeface="Consolas" panose="020B0609020204030204" pitchFamily="49" charset="0"/>
+              </a:rPr>
+              <a:t>потоків</a:t>
+            </a:r>
+            <a:r>
+              <a:rPr lang="en-AU" altLang="en-US" dirty="0">
+                <a:solidFill>
+                  <a:schemeClr val="tx1"/>
+                </a:solidFill>
+                <a:latin typeface="Consolas" panose="020B0609020204030204" pitchFamily="49" charset="0"/>
+              </a:rPr>
+              <a:t>.</a:t>
+            </a:r>
+            <a:r>
+              <a:rPr lang="uk-UA" altLang="en-US" dirty="0">
+                <a:solidFill>
+                  <a:schemeClr val="tx1"/>
+                </a:solidFill>
+                <a:latin typeface="Consolas" panose="020B0609020204030204" pitchFamily="49" charset="0"/>
+              </a:rPr>
+              <a:t> Фінальні результати роботи моделі дуже непогані</a:t>
+            </a:r>
+            <a:r>
+              <a:rPr lang="en-US" altLang="en-US" dirty="0">
+                <a:solidFill>
+                  <a:schemeClr val="tx1"/>
+                </a:solidFill>
+                <a:latin typeface="Consolas" panose="020B0609020204030204" pitchFamily="49" charset="0"/>
+              </a:rPr>
+              <a:t>. </a:t>
+            </a:r>
+            <a:endParaRPr lang="uk-UA" altLang="en-US" dirty="0">
+              <a:solidFill>
+                <a:schemeClr val="tx1"/>
+              </a:solidFill>
+              <a:latin typeface="Consolas" panose="020B0609020204030204" pitchFamily="49" charset="0"/>
+            </a:endParaRPr>
+          </a:p>
+        </p:txBody>
+      </p:sp>
+    </p:spTree>
+    <p:extLst>
+      <p:ext uri="{BB962C8B-B14F-4D97-AF65-F5344CB8AC3E}">
+        <p14:creationId xmlns:p14="http://schemas.microsoft.com/office/powerpoint/2010/main" val="3048315798"/>
+      </p:ext>
+    </p:extLst>
+  </p:cSld>
+  <p:clrMapOvr>
+    <a:masterClrMapping/>
+  </p:clrMapOvr>
+</p:sld>
+</file>
+
+<file path=ppt/slides/slide15.xml><?xml version="1.0" encoding="utf-8"?>
 <p:sld xmlns:a="http://schemas.openxmlformats.org/drawingml/2006/main" xmlns:r="http://schemas.openxmlformats.org/officeDocument/2006/relationships" xmlns:p="http://schemas.openxmlformats.org/presentationml/2006/main">
   <p:cSld>
     <p:spTree>
@@ -9187,7 +10615,7 @@
           <a:p>
             <a:fld id="{A35EEF41-5B9E-4186-8855-3C8162DCC2D6}" type="slidenum">
               <a:rPr lang="uk-UA" smtClean="0"/>
-              <a:t>13</a:t>
+              <a:t>15</a:t>
             </a:fld>
             <a:endParaRPr lang="uk-UA" dirty="0"/>
           </a:p>
@@ -9240,7 +10668,7 @@
 </p:sld>
 </file>
 
-<file path=ppt/slides/slide14.xml><?xml version="1.0" encoding="utf-8"?>
+<file path=ppt/slides/slide16.xml><?xml version="1.0" encoding="utf-8"?>
 <p:sld xmlns:a="http://schemas.openxmlformats.org/drawingml/2006/main" xmlns:r="http://schemas.openxmlformats.org/officeDocument/2006/relationships" xmlns:p="http://schemas.openxmlformats.org/presentationml/2006/main">
   <p:cSld>
     <p:spTree>
@@ -9357,7 +10785,7 @@
           <a:p>
             <a:fld id="{A35EEF41-5B9E-4186-8855-3C8162DCC2D6}" type="slidenum">
               <a:rPr lang="uk-UA" smtClean="0"/>
-              <a:t>14</a:t>
+              <a:t>16</a:t>
             </a:fld>
             <a:endParaRPr lang="uk-UA" dirty="0"/>
           </a:p>
@@ -9441,20 +10869,17 @@
               <a:rPr lang="uk-UA" sz="2000" dirty="0">
                 <a:latin typeface="Consolas" panose="020B0609020204030204" pitchFamily="49" charset="0"/>
               </a:rPr>
-              <a:t>Можливий розвиток: </a:t>
+              <a:t>Можливий розвиток: розширення підтримки типів атак, тренування на більш комплексній моделі –</a:t>
             </a:r>
             <a:r>
               <a:rPr lang="en-US" sz="2000" dirty="0">
                 <a:latin typeface="Consolas" panose="020B0609020204030204" pitchFamily="49" charset="0"/>
               </a:rPr>
-              <a:t>real-time </a:t>
-            </a:r>
-            <a:r>
-              <a:rPr lang="uk-UA" sz="2000" dirty="0">
-                <a:latin typeface="Consolas" panose="020B0609020204030204" pitchFamily="49" charset="0"/>
-              </a:rPr>
-              <a:t>аналіз, розширення підтримки типів атак, мобільний додаток</a:t>
-            </a:r>
+              <a:t> deep learning.</a:t>
+            </a:r>
+            <a:endParaRPr lang="uk-UA" sz="2000" dirty="0">
+              <a:latin typeface="Consolas" panose="020B0609020204030204" pitchFamily="49" charset="0"/>
+            </a:endParaRPr>
           </a:p>
         </p:txBody>
       </p:sp>
@@ -9597,8 +11022,8 @@
         </p:nvSpPr>
         <p:spPr>
           <a:xfrm>
-            <a:off x="-429491" y="2087568"/>
-            <a:ext cx="10002981" cy="1015663"/>
+            <a:off x="532875" y="2037119"/>
+            <a:ext cx="7836130" cy="1015663"/>
           </a:xfrm>
           <a:prstGeom prst="rect">
             <a:avLst/>
@@ -9826,7 +11251,7 @@
           <p:nvPr>
             <p:extLst>
               <p:ext uri="{D42A27DB-BD31-4B8C-83A1-F6EECF244321}">
-                <p14:modId xmlns:p14="http://schemas.microsoft.com/office/powerpoint/2010/main" val="2126503880"/>
+                <p14:modId xmlns:p14="http://schemas.microsoft.com/office/powerpoint/2010/main" val="2998679458"/>
               </p:ext>
             </p:extLst>
           </p:nvPr>
@@ -10703,12 +12128,12 @@
                     <a:lstStyle/>
                     <a:p>
                       <a:r>
-                        <a:rPr lang="en-US" sz="1100" b="1">
+                        <a:rPr lang="en-US" sz="1100" b="1" dirty="0">
                           <a:latin typeface="Consolas" panose="020B0609020204030204" pitchFamily="49" charset="0"/>
                         </a:rPr>
                         <a:t>CIC-IDS2017, UNSW-NB15</a:t>
                       </a:r>
-                      <a:endParaRPr lang="en-US" sz="1100">
+                      <a:endParaRPr lang="en-US" sz="1100" dirty="0">
                         <a:latin typeface="Consolas" panose="020B0609020204030204" pitchFamily="49" charset="0"/>
                       </a:endParaRPr>
                     </a:p>
@@ -13945,7 +15370,227 @@
       </p:sp>
       <p:pic>
         <p:nvPicPr>
-          <p:cNvPr id="7" name="Рисунок 6"/>
+          <p:cNvPr id="6" name="Рисунок 5" descr="Изображение выглядит как зарисовка, диаграмма, Технический чертеж, План&#10;&#10;Контент, сгенерированный ИИ, может содержать ошибки.">
+            <a:extLst>
+              <a:ext uri="{FF2B5EF4-FFF2-40B4-BE49-F238E27FC236}">
+                <a16:creationId xmlns:a16="http://schemas.microsoft.com/office/drawing/2014/main" id="{9878BCB5-90C9-2763-E4D7-B172F5A92A96}"/>
+              </a:ext>
+            </a:extLst>
+          </p:cNvPr>
+          <p:cNvPicPr>
+            <a:picLocks noChangeAspect="1"/>
+          </p:cNvPicPr>
+          <p:nvPr/>
+        </p:nvPicPr>
+        <p:blipFill>
+          <a:blip r:embed="rId4"/>
+          <a:stretch>
+            <a:fillRect/>
+          </a:stretch>
+        </p:blipFill>
+        <p:spPr>
+          <a:xfrm>
+            <a:off x="4194611" y="800723"/>
+            <a:ext cx="4530043" cy="3939014"/>
+          </a:xfrm>
+          <a:prstGeom prst="rect">
+            <a:avLst/>
+          </a:prstGeom>
+          <a:ln>
+            <a:solidFill>
+              <a:schemeClr val="tx1"/>
+            </a:solidFill>
+          </a:ln>
+        </p:spPr>
+      </p:pic>
+      <p:pic>
+        <p:nvPicPr>
+          <p:cNvPr id="10" name="Рисунок 9">
+            <a:extLst>
+              <a:ext uri="{FF2B5EF4-FFF2-40B4-BE49-F238E27FC236}">
+                <a16:creationId xmlns:a16="http://schemas.microsoft.com/office/drawing/2014/main" id="{5A1A646B-27FA-BF2E-D5CA-0CC914D307B8}"/>
+              </a:ext>
+            </a:extLst>
+          </p:cNvPr>
+          <p:cNvPicPr>
+            <a:picLocks noChangeAspect="1"/>
+          </p:cNvPicPr>
+          <p:nvPr/>
+        </p:nvPicPr>
+        <p:blipFill>
+          <a:blip r:embed="rId5"/>
+          <a:stretch>
+            <a:fillRect/>
+          </a:stretch>
+        </p:blipFill>
+        <p:spPr>
+          <a:xfrm>
+            <a:off x="268925" y="1212709"/>
+            <a:ext cx="3680775" cy="2070436"/>
+          </a:xfrm>
+          <a:prstGeom prst="rect">
+            <a:avLst/>
+          </a:prstGeom>
+        </p:spPr>
+      </p:pic>
+    </p:spTree>
+  </p:cSld>
+  <p:clrMapOvr>
+    <a:masterClrMapping/>
+  </p:clrMapOvr>
+</p:sld>
+</file>
+
+<file path=ppt/slides/slide8.xml><?xml version="1.0" encoding="utf-8"?>
+<p:sld xmlns:a="http://schemas.openxmlformats.org/drawingml/2006/main" xmlns:r="http://schemas.openxmlformats.org/officeDocument/2006/relationships" xmlns:p="http://schemas.openxmlformats.org/presentationml/2006/main">
+  <p:cSld>
+    <p:spTree>
+      <p:nvGrpSpPr>
+        <p:cNvPr id="1" name="Shape 98">
+          <a:extLst>
+            <a:ext uri="{FF2B5EF4-FFF2-40B4-BE49-F238E27FC236}">
+              <a16:creationId xmlns:a16="http://schemas.microsoft.com/office/drawing/2014/main" id="{995B6FC5-96F6-E8F7-3F53-1CF77D317B25}"/>
+            </a:ext>
+          </a:extLst>
+        </p:cNvPr>
+        <p:cNvGrpSpPr/>
+        <p:nvPr/>
+      </p:nvGrpSpPr>
+      <p:grpSpPr>
+        <a:xfrm>
+          <a:off x="0" y="0"/>
+          <a:ext cx="0" cy="0"/>
+          <a:chOff x="0" y="0"/>
+          <a:chExt cx="0" cy="0"/>
+        </a:xfrm>
+      </p:grpSpPr>
+      <p:sp>
+        <p:nvSpPr>
+          <p:cNvPr id="99" name="Google Shape;99;p18">
+            <a:extLst>
+              <a:ext uri="{FF2B5EF4-FFF2-40B4-BE49-F238E27FC236}">
+                <a16:creationId xmlns:a16="http://schemas.microsoft.com/office/drawing/2014/main" id="{B2F1DFA7-6F4D-2F02-D1DA-8575FF0BF45B}"/>
+              </a:ext>
+            </a:extLst>
+          </p:cNvPr>
+          <p:cNvSpPr txBox="1">
+            <a:spLocks noGrp="1"/>
+          </p:cNvSpPr>
+          <p:nvPr>
+            <p:ph type="title"/>
+          </p:nvPr>
+        </p:nvSpPr>
+        <p:spPr>
+          <a:xfrm>
+            <a:off x="268925" y="349659"/>
+            <a:ext cx="8520600" cy="831300"/>
+          </a:xfrm>
+          <a:prstGeom prst="rect">
+            <a:avLst/>
+          </a:prstGeom>
+        </p:spPr>
+        <p:txBody>
+          <a:bodyPr spcFirstLastPara="1" wrap="square" lIns="91425" tIns="91425" rIns="91425" bIns="91425" anchor="b" anchorCtr="0">
+            <a:noAutofit/>
+          </a:bodyPr>
+          <a:lstStyle/>
+          <a:p>
+            <a:pPr marL="0" lvl="0" indent="0" algn="l" rtl="0">
+              <a:spcBef>
+                <a:spcPts val="0"/>
+              </a:spcBef>
+              <a:spcAft>
+                <a:spcPts val="0"/>
+              </a:spcAft>
+              <a:buNone/>
+            </a:pPr>
+            <a:r>
+              <a:rPr lang="uk" sz="3200" dirty="0"/>
+              <a:t>Архітектура створенного програмного забезпечення</a:t>
+            </a:r>
+            <a:endParaRPr sz="3200" dirty="0"/>
+          </a:p>
+        </p:txBody>
+      </p:sp>
+      <p:pic>
+        <p:nvPicPr>
+          <p:cNvPr id="101" name="Google Shape;101;p18">
+            <a:extLst>
+              <a:ext uri="{FF2B5EF4-FFF2-40B4-BE49-F238E27FC236}">
+                <a16:creationId xmlns:a16="http://schemas.microsoft.com/office/drawing/2014/main" id="{0E22E8D3-C3FF-3A47-8A89-BBB2ED991631}"/>
+              </a:ext>
+            </a:extLst>
+          </p:cNvPr>
+          <p:cNvPicPr preferRelativeResize="0"/>
+          <p:nvPr/>
+        </p:nvPicPr>
+        <p:blipFill>
+          <a:blip r:embed="rId3">
+            <a:alphaModFix/>
+          </a:blip>
+          <a:stretch>
+            <a:fillRect/>
+          </a:stretch>
+        </p:blipFill>
+        <p:spPr>
+          <a:xfrm>
+            <a:off x="268925" y="4359500"/>
+            <a:ext cx="862250" cy="581750"/>
+          </a:xfrm>
+          <a:prstGeom prst="rect">
+            <a:avLst/>
+          </a:prstGeom>
+          <a:noFill/>
+          <a:ln>
+            <a:noFill/>
+          </a:ln>
+        </p:spPr>
+      </p:pic>
+      <p:sp>
+        <p:nvSpPr>
+          <p:cNvPr id="2" name="TextBox 1">
+            <a:extLst>
+              <a:ext uri="{FF2B5EF4-FFF2-40B4-BE49-F238E27FC236}">
+                <a16:creationId xmlns:a16="http://schemas.microsoft.com/office/drawing/2014/main" id="{5CFF2EC1-A142-26DC-DFCF-5F7BD9D6A09D}"/>
+              </a:ext>
+            </a:extLst>
+          </p:cNvPr>
+          <p:cNvSpPr txBox="1"/>
+          <p:nvPr/>
+        </p:nvSpPr>
+        <p:spPr>
+          <a:xfrm>
+            <a:off x="8778240" y="4606349"/>
+            <a:ext cx="284052" cy="307777"/>
+          </a:xfrm>
+          <a:prstGeom prst="rect">
+            <a:avLst/>
+          </a:prstGeom>
+          <a:noFill/>
+        </p:spPr>
+        <p:txBody>
+          <a:bodyPr wrap="none" rtlCol="0">
+            <a:spAutoFit/>
+          </a:bodyPr>
+          <a:lstStyle/>
+          <a:p>
+            <a:fld id="{A35EEF41-5B9E-4186-8855-3C8162DCC2D6}" type="slidenum">
+              <a:rPr lang="uk-UA" smtClean="0"/>
+              <a:t>8</a:t>
+            </a:fld>
+            <a:endParaRPr lang="uk-UA" dirty="0"/>
+          </a:p>
+        </p:txBody>
+      </p:sp>
+      <p:pic>
+        <p:nvPicPr>
+          <p:cNvPr id="7" name="Рисунок 6">
+            <a:extLst>
+              <a:ext uri="{FF2B5EF4-FFF2-40B4-BE49-F238E27FC236}">
+                <a16:creationId xmlns:a16="http://schemas.microsoft.com/office/drawing/2014/main" id="{5552D56A-BC02-4857-0B03-D3BD60962906}"/>
+              </a:ext>
+            </a:extLst>
+          </p:cNvPr>
           <p:cNvPicPr/>
           <p:nvPr/>
         </p:nvPicPr>
@@ -13972,7 +15617,13 @@
       </p:pic>
       <p:pic>
         <p:nvPicPr>
-          <p:cNvPr id="8" name="Рисунок 7"/>
+          <p:cNvPr id="8" name="Рисунок 7">
+            <a:extLst>
+              <a:ext uri="{FF2B5EF4-FFF2-40B4-BE49-F238E27FC236}">
+                <a16:creationId xmlns:a16="http://schemas.microsoft.com/office/drawing/2014/main" id="{BAB69FB8-688C-DDD4-DAE7-7AF486B474BE}"/>
+              </a:ext>
+            </a:extLst>
+          </p:cNvPr>
           <p:cNvPicPr/>
           <p:nvPr/>
         </p:nvPicPr>
@@ -13998,6 +15649,11 @@
         </p:spPr>
       </p:pic>
     </p:spTree>
+    <p:extLst>
+      <p:ext uri="{BB962C8B-B14F-4D97-AF65-F5344CB8AC3E}">
+        <p14:creationId xmlns:p14="http://schemas.microsoft.com/office/powerpoint/2010/main" val="954438302"/>
+      </p:ext>
+    </p:extLst>
   </p:cSld>
   <p:clrMapOvr>
     <a:masterClrMapping/>
@@ -14005,7 +15661,7 @@
 </p:sld>
 </file>
 
-<file path=ppt/slides/slide8.xml><?xml version="1.0" encoding="utf-8"?>
+<file path=ppt/slides/slide9.xml><?xml version="1.0" encoding="utf-8"?>
 <p:sld xmlns:a="http://schemas.openxmlformats.org/drawingml/2006/main" xmlns:r="http://schemas.openxmlformats.org/officeDocument/2006/relationships" xmlns:p="http://schemas.openxmlformats.org/presentationml/2006/main">
   <p:cSld>
     <p:spTree>
@@ -14140,7 +15796,7 @@
           <a:p>
             <a:fld id="{A35EEF41-5B9E-4186-8855-3C8162DCC2D6}" type="slidenum">
               <a:rPr lang="uk-UA" smtClean="0"/>
-              <a:t>8</a:t>
+              <a:t>9</a:t>
             </a:fld>
             <a:endParaRPr lang="uk-UA" dirty="0"/>
           </a:p>
@@ -14308,440 +15964,6 @@
         <p14:creationId xmlns:p14="http://schemas.microsoft.com/office/powerpoint/2010/main" val="1441442616"/>
       </p:ext>
     </p:extLst>
-  </p:cSld>
-  <p:clrMapOvr>
-    <a:masterClrMapping/>
-  </p:clrMapOvr>
-</p:sld>
-</file>
-
-<file path=ppt/slides/slide9.xml><?xml version="1.0" encoding="utf-8"?>
-<p:sld xmlns:a="http://schemas.openxmlformats.org/drawingml/2006/main" xmlns:r="http://schemas.openxmlformats.org/officeDocument/2006/relationships" xmlns:p="http://schemas.openxmlformats.org/presentationml/2006/main">
-  <p:cSld>
-    <p:spTree>
-      <p:nvGrpSpPr>
-        <p:cNvPr id="1" name="Shape 105"/>
-        <p:cNvGrpSpPr/>
-        <p:nvPr/>
-      </p:nvGrpSpPr>
-      <p:grpSpPr>
-        <a:xfrm>
-          <a:off x="0" y="0"/>
-          <a:ext cx="0" cy="0"/>
-          <a:chOff x="0" y="0"/>
-          <a:chExt cx="0" cy="0"/>
-        </a:xfrm>
-      </p:grpSpPr>
-      <p:sp>
-        <p:nvSpPr>
-          <p:cNvPr id="106" name="Google Shape;106;p19"/>
-          <p:cNvSpPr txBox="1">
-            <a:spLocks noGrp="1"/>
-          </p:cNvSpPr>
-          <p:nvPr>
-            <p:ph type="title"/>
-          </p:nvPr>
-        </p:nvSpPr>
-        <p:spPr>
-          <a:xfrm>
-            <a:off x="311700" y="312400"/>
-            <a:ext cx="8520600" cy="831300"/>
-          </a:xfrm>
-          <a:prstGeom prst="rect">
-            <a:avLst/>
-          </a:prstGeom>
-        </p:spPr>
-        <p:txBody>
-          <a:bodyPr spcFirstLastPara="1" wrap="square" lIns="91425" tIns="91425" rIns="91425" bIns="91425" anchor="b" anchorCtr="0">
-            <a:noAutofit/>
-          </a:bodyPr>
-          <a:lstStyle/>
-          <a:p>
-            <a:pPr marL="0" lvl="0" indent="0" algn="l" rtl="0">
-              <a:spcBef>
-                <a:spcPts val="0"/>
-              </a:spcBef>
-              <a:spcAft>
-                <a:spcPts val="0"/>
-              </a:spcAft>
-              <a:buNone/>
-            </a:pPr>
-            <a:r>
-              <a:rPr lang="uk" sz="3200" dirty="0"/>
-              <a:t>Опис програмного забезпечення, що було використано у дослідженні</a:t>
-            </a:r>
-            <a:endParaRPr sz="3200" dirty="0"/>
-          </a:p>
-        </p:txBody>
-      </p:sp>
-      <p:pic>
-        <p:nvPicPr>
-          <p:cNvPr id="108" name="Google Shape;108;p19"/>
-          <p:cNvPicPr preferRelativeResize="0"/>
-          <p:nvPr/>
-        </p:nvPicPr>
-        <p:blipFill>
-          <a:blip r:embed="rId3">
-            <a:alphaModFix/>
-          </a:blip>
-          <a:stretch>
-            <a:fillRect/>
-          </a:stretch>
-        </p:blipFill>
-        <p:spPr>
-          <a:xfrm>
-            <a:off x="268925" y="4359500"/>
-            <a:ext cx="862250" cy="581750"/>
-          </a:xfrm>
-          <a:prstGeom prst="rect">
-            <a:avLst/>
-          </a:prstGeom>
-          <a:noFill/>
-          <a:ln>
-            <a:noFill/>
-          </a:ln>
-        </p:spPr>
-      </p:pic>
-      <p:sp>
-        <p:nvSpPr>
-          <p:cNvPr id="2" name="TextBox 1">
-            <a:extLst>
-              <a:ext uri="{FF2B5EF4-FFF2-40B4-BE49-F238E27FC236}">
-                <a16:creationId xmlns:a16="http://schemas.microsoft.com/office/drawing/2014/main" id="{1226AFC1-F793-030A-440F-FC50C3AEF715}"/>
-              </a:ext>
-            </a:extLst>
-          </p:cNvPr>
-          <p:cNvSpPr txBox="1"/>
-          <p:nvPr/>
-        </p:nvSpPr>
-        <p:spPr>
-          <a:xfrm>
-            <a:off x="8778240" y="4606349"/>
-            <a:ext cx="284052" cy="307777"/>
-          </a:xfrm>
-          <a:prstGeom prst="rect">
-            <a:avLst/>
-          </a:prstGeom>
-          <a:noFill/>
-        </p:spPr>
-        <p:txBody>
-          <a:bodyPr wrap="none" rtlCol="0">
-            <a:spAutoFit/>
-          </a:bodyPr>
-          <a:lstStyle/>
-          <a:p>
-            <a:fld id="{A35EEF41-5B9E-4186-8855-3C8162DCC2D6}" type="slidenum">
-              <a:rPr lang="uk-UA" smtClean="0"/>
-              <a:t>9</a:t>
-            </a:fld>
-            <a:endParaRPr lang="uk-UA" dirty="0"/>
-          </a:p>
-        </p:txBody>
-      </p:sp>
-      <p:sp>
-        <p:nvSpPr>
-          <p:cNvPr id="9" name="Прямоугольник 8"/>
-          <p:cNvSpPr/>
-          <p:nvPr/>
-        </p:nvSpPr>
-        <p:spPr>
-          <a:xfrm>
-            <a:off x="390985" y="1340643"/>
-            <a:ext cx="3098132" cy="2462213"/>
-          </a:xfrm>
-          <a:prstGeom prst="rect">
-            <a:avLst/>
-          </a:prstGeom>
-        </p:spPr>
-        <p:txBody>
-          <a:bodyPr wrap="square">
-            <a:spAutoFit/>
-          </a:bodyPr>
-          <a:lstStyle/>
-          <a:p>
-            <a:pPr lvl="0" eaLnBrk="0" fontAlgn="base" hangingPunct="0">
-              <a:spcBef>
-                <a:spcPct val="0"/>
-              </a:spcBef>
-              <a:spcAft>
-                <a:spcPct val="0"/>
-              </a:spcAft>
-              <a:buClrTx/>
-            </a:pPr>
-            <a:r>
-              <a:rPr lang="uk-UA" altLang="en-US" b="1" noProof="1">
-                <a:solidFill>
-                  <a:schemeClr val="tx1"/>
-                </a:solidFill>
-                <a:latin typeface="Consolas" panose="020B0609020204030204" pitchFamily="49" charset="0"/>
-              </a:rPr>
-              <a:t>IDE:</a:t>
-            </a:r>
-            <a:r>
-              <a:rPr lang="uk-UA" altLang="en-US" noProof="1">
-                <a:solidFill>
-                  <a:schemeClr val="tx1"/>
-                </a:solidFill>
-                <a:latin typeface="Consolas" panose="020B0609020204030204" pitchFamily="49" charset="0"/>
-              </a:rPr>
-              <a:t> PyCharm – розробка скриптів збору та обробки трафіку, налагодження коду серверної частини</a:t>
-            </a:r>
-            <a:r>
-              <a:rPr lang="en-AU" altLang="en-US" noProof="1">
-                <a:solidFill>
-                  <a:schemeClr val="tx1"/>
-                </a:solidFill>
-                <a:latin typeface="Consolas" panose="020B0609020204030204" pitchFamily="49" charset="0"/>
-              </a:rPr>
-              <a:t>.</a:t>
-            </a:r>
-            <a:endParaRPr lang="uk-UA" altLang="en-US" noProof="1">
-              <a:solidFill>
-                <a:schemeClr val="tx1"/>
-              </a:solidFill>
-              <a:latin typeface="Consolas" panose="020B0609020204030204" pitchFamily="49" charset="0"/>
-            </a:endParaRPr>
-          </a:p>
-          <a:p>
-            <a:pPr lvl="0" eaLnBrk="0" fontAlgn="base" hangingPunct="0">
-              <a:spcBef>
-                <a:spcPct val="0"/>
-              </a:spcBef>
-              <a:spcAft>
-                <a:spcPct val="0"/>
-              </a:spcAft>
-              <a:buClrTx/>
-            </a:pPr>
-            <a:r>
-              <a:rPr lang="uk-UA" altLang="en-US" b="1" noProof="1">
-                <a:solidFill>
-                  <a:schemeClr val="tx1"/>
-                </a:solidFill>
-                <a:latin typeface="Consolas" panose="020B0609020204030204" pitchFamily="49" charset="0"/>
-              </a:rPr>
-              <a:t>Технології</a:t>
-            </a:r>
-            <a:r>
-              <a:rPr lang="en-US" altLang="en-US" b="1" dirty="0">
-                <a:solidFill>
-                  <a:schemeClr val="tx1"/>
-                </a:solidFill>
-                <a:latin typeface="Consolas" panose="020B0609020204030204" pitchFamily="49" charset="0"/>
-              </a:rPr>
-              <a:t>:</a:t>
-            </a:r>
-            <a:r>
-              <a:rPr lang="en-US" altLang="en-US" dirty="0">
-                <a:solidFill>
-                  <a:schemeClr val="tx1"/>
-                </a:solidFill>
-                <a:latin typeface="Consolas" panose="020B0609020204030204" pitchFamily="49" charset="0"/>
-              </a:rPr>
-              <a:t> Python 3.</a:t>
-            </a:r>
-            <a:r>
-              <a:rPr lang="pl-PL" altLang="en-US" dirty="0">
-                <a:solidFill>
-                  <a:schemeClr val="tx1"/>
-                </a:solidFill>
-                <a:latin typeface="Consolas" panose="020B0609020204030204" pitchFamily="49" charset="0"/>
-              </a:rPr>
-              <a:t>13</a:t>
-            </a:r>
-            <a:r>
-              <a:rPr lang="en-US" altLang="en-US" dirty="0">
-                <a:solidFill>
-                  <a:schemeClr val="tx1"/>
-                </a:solidFill>
-                <a:latin typeface="Consolas" panose="020B0609020204030204" pitchFamily="49" charset="0"/>
-              </a:rPr>
-              <a:t>, Fast API </a:t>
-            </a:r>
-            <a:r>
-              <a:rPr lang="uk-UA" altLang="en-US" dirty="0">
-                <a:solidFill>
-                  <a:schemeClr val="tx1"/>
-                </a:solidFill>
-                <a:latin typeface="Consolas" panose="020B0609020204030204" pitchFamily="49" charset="0"/>
-              </a:rPr>
-              <a:t>Фреймворк + </a:t>
-            </a:r>
-            <a:r>
-              <a:rPr lang="en-US" altLang="en-US" dirty="0">
-                <a:solidFill>
-                  <a:schemeClr val="tx1"/>
-                </a:solidFill>
-                <a:latin typeface="Consolas" panose="020B0609020204030204" pitchFamily="49" charset="0"/>
-              </a:rPr>
-              <a:t> library </a:t>
-            </a:r>
-            <a:r>
-              <a:rPr lang="en-US" altLang="en-US" dirty="0" err="1">
-                <a:solidFill>
-                  <a:schemeClr val="tx1"/>
-                </a:solidFill>
-                <a:latin typeface="Consolas" panose="020B0609020204030204" pitchFamily="49" charset="0"/>
-              </a:rPr>
-              <a:t>WebSockets</a:t>
-            </a:r>
-            <a:r>
-              <a:rPr lang="en-US" altLang="en-US" dirty="0">
-                <a:solidFill>
-                  <a:schemeClr val="tx1"/>
-                </a:solidFill>
-                <a:latin typeface="Consolas" panose="020B0609020204030204" pitchFamily="49" charset="0"/>
-              </a:rPr>
-              <a:t>, Firebase</a:t>
-            </a:r>
-            <a:br>
-              <a:rPr lang="uk-UA" altLang="en-US" dirty="0">
-                <a:solidFill>
-                  <a:schemeClr val="tx1"/>
-                </a:solidFill>
-                <a:latin typeface="Consolas" panose="020B0609020204030204" pitchFamily="49" charset="0"/>
-              </a:rPr>
-            </a:br>
-            <a:r>
-              <a:rPr lang="uk-UA" altLang="en-US" b="1" noProof="1">
-                <a:solidFill>
-                  <a:schemeClr val="tx1"/>
-                </a:solidFill>
-                <a:latin typeface="Consolas" panose="020B0609020204030204" pitchFamily="49" charset="0"/>
-              </a:rPr>
-              <a:t>IDE:</a:t>
-            </a:r>
-            <a:r>
-              <a:rPr lang="uk-UA" altLang="en-US" noProof="1">
-                <a:solidFill>
-                  <a:schemeClr val="tx1"/>
-                </a:solidFill>
-                <a:latin typeface="Consolas" panose="020B0609020204030204" pitchFamily="49" charset="0"/>
-              </a:rPr>
-              <a:t> </a:t>
-            </a:r>
-            <a:r>
-              <a:rPr lang="en-US" altLang="en-US" noProof="1">
-                <a:solidFill>
-                  <a:schemeClr val="tx1"/>
-                </a:solidFill>
-                <a:latin typeface="Consolas" panose="020B0609020204030204" pitchFamily="49" charset="0"/>
-              </a:rPr>
-              <a:t>VS Code </a:t>
-            </a:r>
-            <a:r>
-              <a:rPr lang="uk-UA" altLang="en-US" noProof="1">
-                <a:solidFill>
-                  <a:schemeClr val="tx1"/>
-                </a:solidFill>
-                <a:latin typeface="Consolas" panose="020B0609020204030204" pitchFamily="49" charset="0"/>
-              </a:rPr>
-              <a:t>– розробка клієнтської частини програми</a:t>
-            </a:r>
-          </a:p>
-          <a:p>
-            <a:pPr lvl="0" eaLnBrk="0" fontAlgn="base" hangingPunct="0">
-              <a:spcBef>
-                <a:spcPct val="0"/>
-              </a:spcBef>
-              <a:spcAft>
-                <a:spcPct val="0"/>
-              </a:spcAft>
-              <a:buClrTx/>
-            </a:pPr>
-            <a:r>
-              <a:rPr lang="uk-UA" altLang="en-US" b="1" noProof="1">
-                <a:solidFill>
-                  <a:schemeClr val="tx1"/>
-                </a:solidFill>
-                <a:latin typeface="Consolas" panose="020B0609020204030204" pitchFamily="49" charset="0"/>
-              </a:rPr>
-              <a:t>Технології</a:t>
-            </a:r>
-            <a:r>
-              <a:rPr lang="en-US" altLang="en-US" b="1" dirty="0">
-                <a:solidFill>
-                  <a:schemeClr val="tx1"/>
-                </a:solidFill>
-                <a:latin typeface="Consolas" panose="020B0609020204030204" pitchFamily="49" charset="0"/>
-              </a:rPr>
-              <a:t>:</a:t>
-            </a:r>
-            <a:r>
-              <a:rPr lang="en-US" altLang="en-US" dirty="0">
-                <a:solidFill>
-                  <a:schemeClr val="tx1"/>
-                </a:solidFill>
-                <a:latin typeface="Consolas" panose="020B0609020204030204" pitchFamily="49" charset="0"/>
-              </a:rPr>
-              <a:t> </a:t>
-            </a:r>
-            <a:r>
-              <a:rPr lang="en-AU" altLang="en-US" dirty="0">
-                <a:solidFill>
-                  <a:schemeClr val="tx1"/>
-                </a:solidFill>
-                <a:latin typeface="Consolas" panose="020B0609020204030204" pitchFamily="49" charset="0"/>
-              </a:rPr>
-              <a:t>TypeScript, </a:t>
-            </a:r>
-            <a:r>
-              <a:rPr lang="uk-UA" altLang="en-US" dirty="0">
-                <a:solidFill>
-                  <a:schemeClr val="tx1"/>
-                </a:solidFill>
-                <a:latin typeface="Consolas" panose="020B0609020204030204" pitchFamily="49" charset="0"/>
-              </a:rPr>
-              <a:t>Фреймворк</a:t>
-            </a:r>
-            <a:r>
-              <a:rPr lang="en-AU" altLang="en-US" dirty="0">
-                <a:solidFill>
-                  <a:schemeClr val="tx1"/>
-                </a:solidFill>
-                <a:latin typeface="Consolas" panose="020B0609020204030204" pitchFamily="49" charset="0"/>
-              </a:rPr>
-              <a:t> Next.JS</a:t>
-            </a:r>
-            <a:endParaRPr lang="en-US" altLang="en-US" dirty="0">
-              <a:solidFill>
-                <a:schemeClr val="tx1"/>
-              </a:solidFill>
-              <a:latin typeface="Consolas" panose="020B0609020204030204" pitchFamily="49" charset="0"/>
-            </a:endParaRPr>
-          </a:p>
-        </p:txBody>
-      </p:sp>
-      <p:pic>
-        <p:nvPicPr>
-          <p:cNvPr id="4" name="Рисунок 3" descr="Изображение выглядит как снимок экрана, текст, программное обеспечение, Мультимедийное программное обеспечение&#10;&#10;Контент, сгенерированный ИИ, может содержать ошибки.">
-            <a:extLst>
-              <a:ext uri="{FF2B5EF4-FFF2-40B4-BE49-F238E27FC236}">
-                <a16:creationId xmlns:a16="http://schemas.microsoft.com/office/drawing/2014/main" id="{460478D3-F9B1-828F-8BC4-3089EDC4C5D1}"/>
-              </a:ext>
-            </a:extLst>
-          </p:cNvPr>
-          <p:cNvPicPr>
-            <a:picLocks noChangeAspect="1"/>
-          </p:cNvPicPr>
-          <p:nvPr/>
-        </p:nvPicPr>
-        <p:blipFill>
-          <a:blip r:embed="rId4"/>
-          <a:stretch>
-            <a:fillRect/>
-          </a:stretch>
-        </p:blipFill>
-        <p:spPr>
-          <a:xfrm>
-            <a:off x="3489117" y="1375989"/>
-            <a:ext cx="5056820" cy="2546988"/>
-          </a:xfrm>
-          <a:prstGeom prst="rect">
-            <a:avLst/>
-          </a:prstGeom>
-        </p:spPr>
-      </p:pic>
-    </p:spTree>
   </p:cSld>
   <p:clrMapOvr>
     <a:masterClrMapping/>

--- a/2025_М_ПІ_ІПЗ-23-4_Шульдінер_М_П.pptx
+++ b/2025_М_ПІ_ІПЗ-23-4_Шульдінер_М_П.pptx
@@ -8187,9 +8187,42 @@
                 <a:latin typeface="Consolas" panose="020B0609020204030204" pitchFamily="49" charset="0"/>
                 <a:ea typeface="Times New Roman" panose="02020603050405020304" pitchFamily="18" charset="0"/>
               </a:rPr>
+              <a:t>методів</a:t>
+            </a:r>
+            <a:r>
+              <a:rPr lang="ru-RU" sz="2000" dirty="0">
+                <a:solidFill>
+                  <a:srgbClr val="000000"/>
+                </a:solidFill>
+                <a:effectLst/>
+                <a:latin typeface="Consolas" panose="020B0609020204030204" pitchFamily="49" charset="0"/>
+                <a:ea typeface="Times New Roman" panose="02020603050405020304" pitchFamily="18" charset="0"/>
+              </a:rPr>
+              <a:t> </a:t>
+            </a:r>
+            <a:r>
+              <a:rPr lang="ru-RU" sz="2000" dirty="0" err="1">
+                <a:solidFill>
+                  <a:srgbClr val="000000"/>
+                </a:solidFill>
+                <a:effectLst/>
+                <a:latin typeface="Consolas" panose="020B0609020204030204" pitchFamily="49" charset="0"/>
+                <a:ea typeface="Times New Roman" panose="02020603050405020304" pitchFamily="18" charset="0"/>
+              </a:rPr>
               <a:t>створення</a:t>
             </a:r>
             <a:r>
+              <a:rPr lang="ru-RU" sz="2000">
+                <a:solidFill>
+                  <a:srgbClr val="000000"/>
+                </a:solidFill>
+                <a:effectLst/>
+                <a:latin typeface="Consolas" panose="020B0609020204030204" pitchFamily="49" charset="0"/>
+                <a:ea typeface="Times New Roman" panose="02020603050405020304" pitchFamily="18" charset="0"/>
+              </a:rPr>
+              <a:t> датасета </a:t>
+            </a:r>
+            <a:r>
               <a:rPr lang="ru-RU" sz="2000" dirty="0">
                 <a:solidFill>
                   <a:srgbClr val="000000"/>
@@ -8198,7 +8231,7 @@
                 <a:latin typeface="Consolas" panose="020B0609020204030204" pitchFamily="49" charset="0"/>
                 <a:ea typeface="Times New Roman" panose="02020603050405020304" pitchFamily="18" charset="0"/>
               </a:rPr>
-              <a:t> датасету для </a:t>
+              <a:t>для </a:t>
             </a:r>
             <a:r>
               <a:rPr lang="ru-RU" sz="2000" dirty="0" err="1">
